--- a/UnusedCode/Navigations.pptx
+++ b/UnusedCode/Navigations.pptx
@@ -5,44 +5,45 @@
     <p:sldMasterId id="2147483648" r:id="rId1"/>
   </p:sldMasterIdLst>
   <p:notesMasterIdLst>
-    <p:notesMasterId r:id="rId37"/>
+    <p:notesMasterId r:id="rId38"/>
   </p:notesMasterIdLst>
   <p:sldIdLst>
     <p:sldId id="256" r:id="rId2"/>
     <p:sldId id="258" r:id="rId3"/>
-    <p:sldId id="289" r:id="rId4"/>
-    <p:sldId id="290" r:id="rId5"/>
-    <p:sldId id="257" r:id="rId6"/>
-    <p:sldId id="259" r:id="rId7"/>
-    <p:sldId id="286" r:id="rId8"/>
-    <p:sldId id="287" r:id="rId9"/>
-    <p:sldId id="288" r:id="rId10"/>
-    <p:sldId id="260" r:id="rId11"/>
-    <p:sldId id="261" r:id="rId12"/>
-    <p:sldId id="262" r:id="rId13"/>
-    <p:sldId id="263" r:id="rId14"/>
-    <p:sldId id="264" r:id="rId15"/>
-    <p:sldId id="265" r:id="rId16"/>
-    <p:sldId id="266" r:id="rId17"/>
-    <p:sldId id="267" r:id="rId18"/>
-    <p:sldId id="268" r:id="rId19"/>
-    <p:sldId id="269" r:id="rId20"/>
-    <p:sldId id="270" r:id="rId21"/>
-    <p:sldId id="271" r:id="rId22"/>
-    <p:sldId id="272" r:id="rId23"/>
-    <p:sldId id="273" r:id="rId24"/>
-    <p:sldId id="274" r:id="rId25"/>
-    <p:sldId id="275" r:id="rId26"/>
-    <p:sldId id="276" r:id="rId27"/>
-    <p:sldId id="277" r:id="rId28"/>
-    <p:sldId id="278" r:id="rId29"/>
-    <p:sldId id="279" r:id="rId30"/>
-    <p:sldId id="280" r:id="rId31"/>
-    <p:sldId id="281" r:id="rId32"/>
-    <p:sldId id="282" r:id="rId33"/>
-    <p:sldId id="283" r:id="rId34"/>
-    <p:sldId id="284" r:id="rId35"/>
-    <p:sldId id="285" r:id="rId36"/>
+    <p:sldId id="290" r:id="rId4"/>
+    <p:sldId id="289" r:id="rId5"/>
+    <p:sldId id="291" r:id="rId6"/>
+    <p:sldId id="257" r:id="rId7"/>
+    <p:sldId id="259" r:id="rId8"/>
+    <p:sldId id="286" r:id="rId9"/>
+    <p:sldId id="287" r:id="rId10"/>
+    <p:sldId id="288" r:id="rId11"/>
+    <p:sldId id="260" r:id="rId12"/>
+    <p:sldId id="261" r:id="rId13"/>
+    <p:sldId id="262" r:id="rId14"/>
+    <p:sldId id="263" r:id="rId15"/>
+    <p:sldId id="264" r:id="rId16"/>
+    <p:sldId id="265" r:id="rId17"/>
+    <p:sldId id="266" r:id="rId18"/>
+    <p:sldId id="267" r:id="rId19"/>
+    <p:sldId id="268" r:id="rId20"/>
+    <p:sldId id="269" r:id="rId21"/>
+    <p:sldId id="270" r:id="rId22"/>
+    <p:sldId id="271" r:id="rId23"/>
+    <p:sldId id="272" r:id="rId24"/>
+    <p:sldId id="273" r:id="rId25"/>
+    <p:sldId id="274" r:id="rId26"/>
+    <p:sldId id="275" r:id="rId27"/>
+    <p:sldId id="276" r:id="rId28"/>
+    <p:sldId id="277" r:id="rId29"/>
+    <p:sldId id="278" r:id="rId30"/>
+    <p:sldId id="279" r:id="rId31"/>
+    <p:sldId id="280" r:id="rId32"/>
+    <p:sldId id="281" r:id="rId33"/>
+    <p:sldId id="282" r:id="rId34"/>
+    <p:sldId id="283" r:id="rId35"/>
+    <p:sldId id="284" r:id="rId36"/>
+    <p:sldId id="285" r:id="rId37"/>
   </p:sldIdLst>
   <p:sldSz cx="12192000" cy="6858000"/>
   <p:notesSz cx="6858000" cy="9144000"/>
@@ -141,6 +142,11 @@
       </a:defRPr>
     </a:lvl9pPr>
   </p:defaultTextStyle>
+  <p:extLst>
+    <p:ext uri="{EFAFB233-063F-42B5-8137-9DF3F51BA10A}">
+      <p15:sldGuideLst xmlns:p15="http://schemas.microsoft.com/office/powerpoint/2012/main"/>
+    </p:ext>
+  </p:extLst>
 </p:presentation>
 </file>
 
@@ -238,7 +244,7 @@
           <a:p>
             <a:fld id="{4F37D509-77D7-4EF8-B5FF-AD9AEBA95AC3}" type="datetimeFigureOut">
               <a:rPr lang="en-US" smtClean="0"/>
-              <a:t>6/23/2020</a:t>
+              <a:t>6/28/2020</a:t>
             </a:fld>
             <a:endParaRPr lang="en-US"/>
           </a:p>
@@ -652,7 +658,7 @@
           <a:p>
             <a:fld id="{C2DD3947-2FEF-415F-868A-764606BFC9C1}" type="datetimeFigureOut">
               <a:rPr lang="en-US" smtClean="0"/>
-              <a:t>6/23/2020</a:t>
+              <a:t>6/28/2020</a:t>
             </a:fld>
             <a:endParaRPr lang="en-US"/>
           </a:p>
@@ -850,7 +856,7 @@
           <a:p>
             <a:fld id="{C2DD3947-2FEF-415F-868A-764606BFC9C1}" type="datetimeFigureOut">
               <a:rPr lang="en-US" smtClean="0"/>
-              <a:t>6/23/2020</a:t>
+              <a:t>6/28/2020</a:t>
             </a:fld>
             <a:endParaRPr lang="en-US"/>
           </a:p>
@@ -1058,7 +1064,7 @@
           <a:p>
             <a:fld id="{C2DD3947-2FEF-415F-868A-764606BFC9C1}" type="datetimeFigureOut">
               <a:rPr lang="en-US" smtClean="0"/>
-              <a:t>6/23/2020</a:t>
+              <a:t>6/28/2020</a:t>
             </a:fld>
             <a:endParaRPr lang="en-US"/>
           </a:p>
@@ -1256,7 +1262,7 @@
           <a:p>
             <a:fld id="{C2DD3947-2FEF-415F-868A-764606BFC9C1}" type="datetimeFigureOut">
               <a:rPr lang="en-US" smtClean="0"/>
-              <a:t>6/23/2020</a:t>
+              <a:t>6/28/2020</a:t>
             </a:fld>
             <a:endParaRPr lang="en-US"/>
           </a:p>
@@ -1531,7 +1537,7 @@
           <a:p>
             <a:fld id="{C2DD3947-2FEF-415F-868A-764606BFC9C1}" type="datetimeFigureOut">
               <a:rPr lang="en-US" smtClean="0"/>
-              <a:t>6/23/2020</a:t>
+              <a:t>6/28/2020</a:t>
             </a:fld>
             <a:endParaRPr lang="en-US"/>
           </a:p>
@@ -1796,7 +1802,7 @@
           <a:p>
             <a:fld id="{C2DD3947-2FEF-415F-868A-764606BFC9C1}" type="datetimeFigureOut">
               <a:rPr lang="en-US" smtClean="0"/>
-              <a:t>6/23/2020</a:t>
+              <a:t>6/28/2020</a:t>
             </a:fld>
             <a:endParaRPr lang="en-US"/>
           </a:p>
@@ -2208,7 +2214,7 @@
           <a:p>
             <a:fld id="{C2DD3947-2FEF-415F-868A-764606BFC9C1}" type="datetimeFigureOut">
               <a:rPr lang="en-US" smtClean="0"/>
-              <a:t>6/23/2020</a:t>
+              <a:t>6/28/2020</a:t>
             </a:fld>
             <a:endParaRPr lang="en-US"/>
           </a:p>
@@ -2349,7 +2355,7 @@
           <a:p>
             <a:fld id="{C2DD3947-2FEF-415F-868A-764606BFC9C1}" type="datetimeFigureOut">
               <a:rPr lang="en-US" smtClean="0"/>
-              <a:t>6/23/2020</a:t>
+              <a:t>6/28/2020</a:t>
             </a:fld>
             <a:endParaRPr lang="en-US"/>
           </a:p>
@@ -2462,7 +2468,7 @@
           <a:p>
             <a:fld id="{C2DD3947-2FEF-415F-868A-764606BFC9C1}" type="datetimeFigureOut">
               <a:rPr lang="en-US" smtClean="0"/>
-              <a:t>6/23/2020</a:t>
+              <a:t>6/28/2020</a:t>
             </a:fld>
             <a:endParaRPr lang="en-US"/>
           </a:p>
@@ -2773,7 +2779,7 @@
           <a:p>
             <a:fld id="{C2DD3947-2FEF-415F-868A-764606BFC9C1}" type="datetimeFigureOut">
               <a:rPr lang="en-US" smtClean="0"/>
-              <a:t>6/23/2020</a:t>
+              <a:t>6/28/2020</a:t>
             </a:fld>
             <a:endParaRPr lang="en-US"/>
           </a:p>
@@ -3061,7 +3067,7 @@
           <a:p>
             <a:fld id="{C2DD3947-2FEF-415F-868A-764606BFC9C1}" type="datetimeFigureOut">
               <a:rPr lang="en-US" smtClean="0"/>
-              <a:t>6/23/2020</a:t>
+              <a:t>6/28/2020</a:t>
             </a:fld>
             <a:endParaRPr lang="en-US"/>
           </a:p>
@@ -3302,7 +3308,7 @@
           <a:p>
             <a:fld id="{C2DD3947-2FEF-415F-868A-764606BFC9C1}" type="datetimeFigureOut">
               <a:rPr lang="en-US" smtClean="0"/>
-              <a:t>6/23/2020</a:t>
+              <a:t>6/28/2020</a:t>
             </a:fld>
             <a:endParaRPr lang="en-US"/>
           </a:p>
@@ -3764,7 +3770,7 @@
         <p:spPr>
           <a:xfrm>
             <a:off x="0" y="1120676"/>
-            <a:ext cx="6096000" cy="1477328"/>
+            <a:ext cx="6096000" cy="1200329"/>
           </a:xfrm>
           <a:prstGeom prst="rect">
             <a:avLst/>
@@ -3799,19 +3805,17 @@
               <a:rPr lang="en-US" dirty="0">
                 <a:sym typeface="Wingdings" panose="05000000000000000000" pitchFamily="2" charset="2"/>
               </a:rPr>
-              <a:t> Services Page</a:t>
-            </a:r>
-          </a:p>
-          <a:p>
-            <a:r>
-              <a:rPr lang="en-US" dirty="0">
-                <a:highlight>
-                  <a:srgbClr val="FFFF00"/>
-                </a:highlight>
+              <a:t> </a:t>
+            </a:r>
+            <a:r>
+              <a:rPr lang="en-US">
                 <a:sym typeface="Wingdings" panose="05000000000000000000" pitchFamily="2" charset="2"/>
               </a:rPr>
-              <a:t>-Merit Logo  Home Page</a:t>
-            </a:r>
+              <a:t>Services Page</a:t>
+            </a:r>
+            <a:endParaRPr lang="en-US" dirty="0">
+              <a:sym typeface="Wingdings" panose="05000000000000000000" pitchFamily="2" charset="2"/>
+            </a:endParaRPr>
           </a:p>
         </p:txBody>
       </p:sp>
@@ -3850,7 +3854,7 @@
           <p:cNvPr id="4" name="Picture 3">
             <a:extLst>
               <a:ext uri="{FF2B5EF4-FFF2-40B4-BE49-F238E27FC236}">
-                <a16:creationId xmlns:a16="http://schemas.microsoft.com/office/drawing/2014/main" id="{D4511B0D-CF5F-485A-A983-60BACD03EBDC}"/>
+                <a16:creationId xmlns:a16="http://schemas.microsoft.com/office/drawing/2014/main" id="{A7F81E75-7B63-4529-A504-AE8E4512287E}"/>
               </a:ext>
             </a:extLst>
           </p:cNvPr>
@@ -3875,79 +3879,10 @@
           </a:prstGeom>
         </p:spPr>
       </p:pic>
-      <p:sp>
-        <p:nvSpPr>
-          <p:cNvPr id="5" name="Rectangle 4">
-            <a:extLst>
-              <a:ext uri="{FF2B5EF4-FFF2-40B4-BE49-F238E27FC236}">
-                <a16:creationId xmlns:a16="http://schemas.microsoft.com/office/drawing/2014/main" id="{D4559D59-7331-42FD-B040-C7C3AED1403B}"/>
-              </a:ext>
-            </a:extLst>
-          </p:cNvPr>
-          <p:cNvSpPr/>
-          <p:nvPr/>
-        </p:nvSpPr>
-        <p:spPr>
-          <a:xfrm>
-            <a:off x="158045" y="4586870"/>
-            <a:ext cx="6096000" cy="1754326"/>
-          </a:xfrm>
-          <a:prstGeom prst="rect">
-            <a:avLst/>
-          </a:prstGeom>
-        </p:spPr>
-        <p:txBody>
-          <a:bodyPr>
-            <a:spAutoFit/>
-          </a:bodyPr>
-          <a:lstStyle/>
-          <a:p>
-            <a:r>
-              <a:rPr lang="en-US" dirty="0"/>
-              <a:t>CONTACT US PAGE</a:t>
-            </a:r>
-          </a:p>
-          <a:p>
-            <a:endParaRPr lang="en-US" dirty="0"/>
-          </a:p>
-          <a:p>
-            <a:r>
-              <a:rPr lang="en-US" dirty="0"/>
-              <a:t>Nav: </a:t>
-            </a:r>
-          </a:p>
-          <a:p>
-            <a:r>
-              <a:rPr lang="en-US" dirty="0">
-                <a:highlight>
-                  <a:srgbClr val="FFFF00"/>
-                </a:highlight>
-              </a:rPr>
-              <a:t>-SEND MESSAGE: BACK END, TO BE ABLE TO MESSAGE OR QUEUE MESSAGE TO ADMIN UPON CLICKING SEND</a:t>
-            </a:r>
-          </a:p>
-          <a:p>
-            <a:r>
-              <a:rPr lang="en-US" dirty="0">
-                <a:highlight>
-                  <a:srgbClr val="FFFF00"/>
-                </a:highlight>
-              </a:rPr>
-              <a:t>-SPACING OF THE ICONS </a:t>
-            </a:r>
-            <a:endParaRPr lang="en-US" dirty="0">
-              <a:highlight>
-                <a:srgbClr val="FFFF00"/>
-              </a:highlight>
-              <a:sym typeface="Wingdings" panose="05000000000000000000" pitchFamily="2" charset="2"/>
-            </a:endParaRPr>
-          </a:p>
-        </p:txBody>
-      </p:sp>
     </p:spTree>
     <p:extLst>
       <p:ext uri="{BB962C8B-B14F-4D97-AF65-F5344CB8AC3E}">
-        <p14:creationId xmlns:p14="http://schemas.microsoft.com/office/powerpoint/2010/main" val="719367556"/>
+        <p14:creationId xmlns:p14="http://schemas.microsoft.com/office/powerpoint/2010/main" val="1670452531"/>
       </p:ext>
     </p:extLst>
   </p:cSld>
@@ -3974,6 +3909,135 @@
           <a:chExt cx="0" cy="0"/>
         </a:xfrm>
       </p:grpSpPr>
+      <p:pic>
+        <p:nvPicPr>
+          <p:cNvPr id="4" name="Picture 3">
+            <a:extLst>
+              <a:ext uri="{FF2B5EF4-FFF2-40B4-BE49-F238E27FC236}">
+                <a16:creationId xmlns:a16="http://schemas.microsoft.com/office/drawing/2014/main" id="{D4511B0D-CF5F-485A-A983-60BACD03EBDC}"/>
+              </a:ext>
+            </a:extLst>
+          </p:cNvPr>
+          <p:cNvPicPr>
+            <a:picLocks noChangeAspect="1"/>
+          </p:cNvPicPr>
+          <p:nvPr/>
+        </p:nvPicPr>
+        <p:blipFill>
+          <a:blip r:embed="rId2"/>
+          <a:stretch>
+            <a:fillRect/>
+          </a:stretch>
+        </p:blipFill>
+        <p:spPr>
+          <a:xfrm>
+            <a:off x="0" y="0"/>
+            <a:ext cx="12192000" cy="6858000"/>
+          </a:xfrm>
+          <a:prstGeom prst="rect">
+            <a:avLst/>
+          </a:prstGeom>
+        </p:spPr>
+      </p:pic>
+      <p:sp>
+        <p:nvSpPr>
+          <p:cNvPr id="5" name="Rectangle 4">
+            <a:extLst>
+              <a:ext uri="{FF2B5EF4-FFF2-40B4-BE49-F238E27FC236}">
+                <a16:creationId xmlns:a16="http://schemas.microsoft.com/office/drawing/2014/main" id="{D4559D59-7331-42FD-B040-C7C3AED1403B}"/>
+              </a:ext>
+            </a:extLst>
+          </p:cNvPr>
+          <p:cNvSpPr/>
+          <p:nvPr/>
+        </p:nvSpPr>
+        <p:spPr>
+          <a:xfrm>
+            <a:off x="158045" y="4586870"/>
+            <a:ext cx="6096000" cy="1754326"/>
+          </a:xfrm>
+          <a:prstGeom prst="rect">
+            <a:avLst/>
+          </a:prstGeom>
+        </p:spPr>
+        <p:txBody>
+          <a:bodyPr>
+            <a:spAutoFit/>
+          </a:bodyPr>
+          <a:lstStyle/>
+          <a:p>
+            <a:r>
+              <a:rPr lang="en-US" dirty="0"/>
+              <a:t>CONTACT US PAGE</a:t>
+            </a:r>
+          </a:p>
+          <a:p>
+            <a:endParaRPr lang="en-US" dirty="0"/>
+          </a:p>
+          <a:p>
+            <a:r>
+              <a:rPr lang="en-US" dirty="0"/>
+              <a:t>Nav: </a:t>
+            </a:r>
+          </a:p>
+          <a:p>
+            <a:r>
+              <a:rPr lang="en-US" dirty="0">
+                <a:highlight>
+                  <a:srgbClr val="FFFF00"/>
+                </a:highlight>
+              </a:rPr>
+              <a:t>-SEND MESSAGE: BACK END, TO BE ABLE TO MESSAGE OR QUEUE MESSAGE TO ADMIN UPON CLICKING SEND</a:t>
+            </a:r>
+          </a:p>
+          <a:p>
+            <a:r>
+              <a:rPr lang="en-US" dirty="0">
+                <a:highlight>
+                  <a:srgbClr val="FFFF00"/>
+                </a:highlight>
+              </a:rPr>
+              <a:t>-SPACING OF THE ICONS </a:t>
+            </a:r>
+            <a:endParaRPr lang="en-US" dirty="0">
+              <a:highlight>
+                <a:srgbClr val="FFFF00"/>
+              </a:highlight>
+              <a:sym typeface="Wingdings" panose="05000000000000000000" pitchFamily="2" charset="2"/>
+            </a:endParaRPr>
+          </a:p>
+        </p:txBody>
+      </p:sp>
+    </p:spTree>
+    <p:extLst>
+      <p:ext uri="{BB962C8B-B14F-4D97-AF65-F5344CB8AC3E}">
+        <p14:creationId xmlns:p14="http://schemas.microsoft.com/office/powerpoint/2010/main" val="719367556"/>
+      </p:ext>
+    </p:extLst>
+  </p:cSld>
+  <p:clrMapOvr>
+    <a:masterClrMapping/>
+  </p:clrMapOvr>
+</p:sld>
+</file>
+
+<file path=ppt/slides/slide12.xml><?xml version="1.0" encoding="utf-8"?>
+<p:sld xmlns:a="http://schemas.openxmlformats.org/drawingml/2006/main" xmlns:r="http://schemas.openxmlformats.org/officeDocument/2006/relationships" xmlns:p="http://schemas.openxmlformats.org/presentationml/2006/main">
+  <p:cSld>
+    <p:spTree>
+      <p:nvGrpSpPr>
+        <p:cNvPr id="1" name=""/>
+        <p:cNvGrpSpPr/>
+        <p:nvPr/>
+      </p:nvGrpSpPr>
+      <p:grpSpPr>
+        <a:xfrm>
+          <a:off x="0" y="0"/>
+          <a:ext cx="0" cy="0"/>
+          <a:chOff x="0" y="0"/>
+          <a:chExt cx="0" cy="0"/>
+        </a:xfrm>
+      </p:grpSpPr>
       <p:sp>
         <p:nvSpPr>
           <p:cNvPr id="4" name="TextBox 3">
@@ -4022,7 +4086,7 @@
 </p:sld>
 </file>
 
-<file path=ppt/slides/slide12.xml><?xml version="1.0" encoding="utf-8"?>
+<file path=ppt/slides/slide13.xml><?xml version="1.0" encoding="utf-8"?>
 <p:sld xmlns:a="http://schemas.openxmlformats.org/drawingml/2006/main" xmlns:r="http://schemas.openxmlformats.org/officeDocument/2006/relationships" xmlns:p="http://schemas.openxmlformats.org/presentationml/2006/main">
   <p:cSld>
     <p:spTree>
@@ -4052,7 +4116,7 @@
 </p:sld>
 </file>
 
-<file path=ppt/slides/slide13.xml><?xml version="1.0" encoding="utf-8"?>
+<file path=ppt/slides/slide14.xml><?xml version="1.0" encoding="utf-8"?>
 <p:sld xmlns:a="http://schemas.openxmlformats.org/drawingml/2006/main" xmlns:r="http://schemas.openxmlformats.org/officeDocument/2006/relationships" xmlns:p="http://schemas.openxmlformats.org/presentationml/2006/main">
   <p:cSld>
     <p:spTree>
@@ -4082,7 +4146,7 @@
 </p:sld>
 </file>
 
-<file path=ppt/slides/slide14.xml><?xml version="1.0" encoding="utf-8"?>
+<file path=ppt/slides/slide15.xml><?xml version="1.0" encoding="utf-8"?>
 <p:sld xmlns:a="http://schemas.openxmlformats.org/drawingml/2006/main" xmlns:r="http://schemas.openxmlformats.org/officeDocument/2006/relationships" xmlns:p="http://schemas.openxmlformats.org/presentationml/2006/main">
   <p:cSld>
     <p:spTree>
@@ -4112,7 +4176,7 @@
 </p:sld>
 </file>
 
-<file path=ppt/slides/slide15.xml><?xml version="1.0" encoding="utf-8"?>
+<file path=ppt/slides/slide16.xml><?xml version="1.0" encoding="utf-8"?>
 <p:sld xmlns:a="http://schemas.openxmlformats.org/drawingml/2006/main" xmlns:r="http://schemas.openxmlformats.org/officeDocument/2006/relationships" xmlns:p="http://schemas.openxmlformats.org/presentationml/2006/main">
   <p:cSld>
     <p:spTree>
@@ -4142,7 +4206,7 @@
 </p:sld>
 </file>
 
-<file path=ppt/slides/slide16.xml><?xml version="1.0" encoding="utf-8"?>
+<file path=ppt/slides/slide17.xml><?xml version="1.0" encoding="utf-8"?>
 <p:sld xmlns:a="http://schemas.openxmlformats.org/drawingml/2006/main" xmlns:r="http://schemas.openxmlformats.org/officeDocument/2006/relationships" xmlns:p="http://schemas.openxmlformats.org/presentationml/2006/main">
   <p:cSld>
     <p:spTree>
@@ -4172,7 +4236,7 @@
 </p:sld>
 </file>
 
-<file path=ppt/slides/slide17.xml><?xml version="1.0" encoding="utf-8"?>
+<file path=ppt/slides/slide18.xml><?xml version="1.0" encoding="utf-8"?>
 <p:sld xmlns:a="http://schemas.openxmlformats.org/drawingml/2006/main" xmlns:r="http://schemas.openxmlformats.org/officeDocument/2006/relationships" xmlns:p="http://schemas.openxmlformats.org/presentationml/2006/main">
   <p:cSld>
     <p:spTree>
@@ -4202,7 +4266,7 @@
 </p:sld>
 </file>
 
-<file path=ppt/slides/slide18.xml><?xml version="1.0" encoding="utf-8"?>
+<file path=ppt/slides/slide19.xml><?xml version="1.0" encoding="utf-8"?>
 <p:sld xmlns:a="http://schemas.openxmlformats.org/drawingml/2006/main" xmlns:r="http://schemas.openxmlformats.org/officeDocument/2006/relationships" xmlns:p="http://schemas.openxmlformats.org/presentationml/2006/main">
   <p:cSld>
     <p:spTree>
@@ -4232,36 +4296,6 @@
 </p:sld>
 </file>
 
-<file path=ppt/slides/slide19.xml><?xml version="1.0" encoding="utf-8"?>
-<p:sld xmlns:a="http://schemas.openxmlformats.org/drawingml/2006/main" xmlns:r="http://schemas.openxmlformats.org/officeDocument/2006/relationships" xmlns:p="http://schemas.openxmlformats.org/presentationml/2006/main">
-  <p:cSld>
-    <p:spTree>
-      <p:nvGrpSpPr>
-        <p:cNvPr id="1" name=""/>
-        <p:cNvGrpSpPr/>
-        <p:nvPr/>
-      </p:nvGrpSpPr>
-      <p:grpSpPr>
-        <a:xfrm>
-          <a:off x="0" y="0"/>
-          <a:ext cx="0" cy="0"/>
-          <a:chOff x="0" y="0"/>
-          <a:chExt cx="0" cy="0"/>
-        </a:xfrm>
-      </p:grpSpPr>
-    </p:spTree>
-    <p:extLst>
-      <p:ext uri="{BB962C8B-B14F-4D97-AF65-F5344CB8AC3E}">
-        <p14:creationId xmlns:p14="http://schemas.microsoft.com/office/powerpoint/2010/main" val="4035385978"/>
-      </p:ext>
-    </p:extLst>
-  </p:cSld>
-  <p:clrMapOvr>
-    <a:masterClrMapping/>
-  </p:clrMapOvr>
-</p:sld>
-</file>
-
 <file path=ppt/slides/slide2.xml><?xml version="1.0" encoding="utf-8"?>
 <p:sld xmlns:a="http://schemas.openxmlformats.org/drawingml/2006/main" xmlns:r="http://schemas.openxmlformats.org/officeDocument/2006/relationships" xmlns:p="http://schemas.openxmlformats.org/presentationml/2006/main">
   <p:cSld>
@@ -4324,7 +4358,7 @@
         <p:spPr>
           <a:xfrm>
             <a:off x="13946" y="1930400"/>
-            <a:ext cx="5102744" cy="2031325"/>
+            <a:ext cx="3276474" cy="2031325"/>
           </a:xfrm>
           <a:prstGeom prst="rect">
             <a:avLst/>
@@ -4374,23 +4408,17 @@
           <a:p>
             <a:r>
               <a:rPr lang="en-US" dirty="0">
-                <a:highlight>
-                  <a:srgbClr val="FFFF00"/>
-                </a:highlight>
-                <a:sym typeface="Wingdings" panose="05000000000000000000" pitchFamily="2" charset="2"/>
-              </a:rPr>
-              <a:t>-Forgot Password  Account Lookup/ recovery page</a:t>
-            </a:r>
-          </a:p>
-          <a:p>
-            <a:r>
-              <a:rPr lang="en-US" dirty="0">
-                <a:highlight>
-                  <a:srgbClr val="FFFF00"/>
-                </a:highlight>
                 <a:sym typeface="Wingdings" panose="05000000000000000000" pitchFamily="2" charset="2"/>
               </a:rPr>
               <a:t>-Create Account  Register Page</a:t>
+            </a:r>
+          </a:p>
+          <a:p>
+            <a:r>
+              <a:rPr lang="en-US" strike="sngStrike" dirty="0">
+                <a:sym typeface="Wingdings" panose="05000000000000000000" pitchFamily="2" charset="2"/>
+              </a:rPr>
+              <a:t>-forgot Password -&gt; acct recovery</a:t>
             </a:r>
           </a:p>
         </p:txBody>
@@ -4428,7 +4456,7 @@
     </p:spTree>
     <p:extLst>
       <p:ext uri="{BB962C8B-B14F-4D97-AF65-F5344CB8AC3E}">
-        <p14:creationId xmlns:p14="http://schemas.microsoft.com/office/powerpoint/2010/main" val="3893858116"/>
+        <p14:creationId xmlns:p14="http://schemas.microsoft.com/office/powerpoint/2010/main" val="4035385978"/>
       </p:ext>
     </p:extLst>
   </p:cSld>
@@ -4458,7 +4486,7 @@
     </p:spTree>
     <p:extLst>
       <p:ext uri="{BB962C8B-B14F-4D97-AF65-F5344CB8AC3E}">
-        <p14:creationId xmlns:p14="http://schemas.microsoft.com/office/powerpoint/2010/main" val="3848682754"/>
+        <p14:creationId xmlns:p14="http://schemas.microsoft.com/office/powerpoint/2010/main" val="3893858116"/>
       </p:ext>
     </p:extLst>
   </p:cSld>
@@ -4488,7 +4516,7 @@
     </p:spTree>
     <p:extLst>
       <p:ext uri="{BB962C8B-B14F-4D97-AF65-F5344CB8AC3E}">
-        <p14:creationId xmlns:p14="http://schemas.microsoft.com/office/powerpoint/2010/main" val="1062599787"/>
+        <p14:creationId xmlns:p14="http://schemas.microsoft.com/office/powerpoint/2010/main" val="3848682754"/>
       </p:ext>
     </p:extLst>
   </p:cSld>
@@ -4518,7 +4546,7 @@
     </p:spTree>
     <p:extLst>
       <p:ext uri="{BB962C8B-B14F-4D97-AF65-F5344CB8AC3E}">
-        <p14:creationId xmlns:p14="http://schemas.microsoft.com/office/powerpoint/2010/main" val="13196361"/>
+        <p14:creationId xmlns:p14="http://schemas.microsoft.com/office/powerpoint/2010/main" val="1062599787"/>
       </p:ext>
     </p:extLst>
   </p:cSld>
@@ -4548,7 +4576,7 @@
     </p:spTree>
     <p:extLst>
       <p:ext uri="{BB962C8B-B14F-4D97-AF65-F5344CB8AC3E}">
-        <p14:creationId xmlns:p14="http://schemas.microsoft.com/office/powerpoint/2010/main" val="3286292442"/>
+        <p14:creationId xmlns:p14="http://schemas.microsoft.com/office/powerpoint/2010/main" val="13196361"/>
       </p:ext>
     </p:extLst>
   </p:cSld>
@@ -4578,7 +4606,7 @@
     </p:spTree>
     <p:extLst>
       <p:ext uri="{BB962C8B-B14F-4D97-AF65-F5344CB8AC3E}">
-        <p14:creationId xmlns:p14="http://schemas.microsoft.com/office/powerpoint/2010/main" val="1776561253"/>
+        <p14:creationId xmlns:p14="http://schemas.microsoft.com/office/powerpoint/2010/main" val="3286292442"/>
       </p:ext>
     </p:extLst>
   </p:cSld>
@@ -4608,7 +4636,7 @@
     </p:spTree>
     <p:extLst>
       <p:ext uri="{BB962C8B-B14F-4D97-AF65-F5344CB8AC3E}">
-        <p14:creationId xmlns:p14="http://schemas.microsoft.com/office/powerpoint/2010/main" val="2038358129"/>
+        <p14:creationId xmlns:p14="http://schemas.microsoft.com/office/powerpoint/2010/main" val="1776561253"/>
       </p:ext>
     </p:extLst>
   </p:cSld>
@@ -4638,7 +4666,7 @@
     </p:spTree>
     <p:extLst>
       <p:ext uri="{BB962C8B-B14F-4D97-AF65-F5344CB8AC3E}">
-        <p14:creationId xmlns:p14="http://schemas.microsoft.com/office/powerpoint/2010/main" val="2316367256"/>
+        <p14:creationId xmlns:p14="http://schemas.microsoft.com/office/powerpoint/2010/main" val="2038358129"/>
       </p:ext>
     </p:extLst>
   </p:cSld>
@@ -4668,7 +4696,7 @@
     </p:spTree>
     <p:extLst>
       <p:ext uri="{BB962C8B-B14F-4D97-AF65-F5344CB8AC3E}">
-        <p14:creationId xmlns:p14="http://schemas.microsoft.com/office/powerpoint/2010/main" val="3670328559"/>
+        <p14:creationId xmlns:p14="http://schemas.microsoft.com/office/powerpoint/2010/main" val="2316367256"/>
       </p:ext>
     </p:extLst>
   </p:cSld>
@@ -4698,7 +4726,7 @@
     </p:spTree>
     <p:extLst>
       <p:ext uri="{BB962C8B-B14F-4D97-AF65-F5344CB8AC3E}">
-        <p14:creationId xmlns:p14="http://schemas.microsoft.com/office/powerpoint/2010/main" val="3436961718"/>
+        <p14:creationId xmlns:p14="http://schemas.microsoft.com/office/powerpoint/2010/main" val="3670328559"/>
       </p:ext>
     </p:extLst>
   </p:cSld>
@@ -4725,44 +4753,40 @@
           <a:chExt cx="0" cy="0"/>
         </a:xfrm>
       </p:grpSpPr>
-      <p:sp>
-        <p:nvSpPr>
-          <p:cNvPr id="2" name="Rectangle 1">
-            <a:extLst>
-              <a:ext uri="{FF2B5EF4-FFF2-40B4-BE49-F238E27FC236}">
-                <a16:creationId xmlns:a16="http://schemas.microsoft.com/office/drawing/2014/main" id="{A32E383E-D123-4347-896A-F1777420D5FE}"/>
-              </a:ext>
-            </a:extLst>
-          </p:cNvPr>
-          <p:cNvSpPr/>
+      <p:pic>
+        <p:nvPicPr>
+          <p:cNvPr id="4" name="Picture 3">
+            <a:extLst>
+              <a:ext uri="{FF2B5EF4-FFF2-40B4-BE49-F238E27FC236}">
+                <a16:creationId xmlns:a16="http://schemas.microsoft.com/office/drawing/2014/main" id="{55FC791C-F3F3-4334-B5B1-78C4947AD176}"/>
+              </a:ext>
+            </a:extLst>
+          </p:cNvPr>
+          <p:cNvPicPr>
+            <a:picLocks noChangeAspect="1"/>
+          </p:cNvPicPr>
           <p:nvPr/>
-        </p:nvSpPr>
+        </p:nvPicPr>
+        <p:blipFill>
+          <a:blip r:embed="rId2"/>
+          <a:stretch>
+            <a:fillRect/>
+          </a:stretch>
+        </p:blipFill>
         <p:spPr>
           <a:xfrm>
-            <a:off x="4019149" y="2644170"/>
-            <a:ext cx="5716180" cy="1569660"/>
+            <a:off x="0" y="0"/>
+            <a:ext cx="12192000" cy="6858000"/>
           </a:xfrm>
           <a:prstGeom prst="rect">
             <a:avLst/>
           </a:prstGeom>
         </p:spPr>
-        <p:txBody>
-          <a:bodyPr wrap="none">
-            <a:spAutoFit/>
-          </a:bodyPr>
-          <a:lstStyle/>
-          <a:p>
-            <a:r>
-              <a:rPr lang="en-US" sz="9600" dirty="0"/>
-              <a:t>USER PAGE</a:t>
-            </a:r>
-          </a:p>
-        </p:txBody>
-      </p:sp>
+      </p:pic>
     </p:spTree>
     <p:extLst>
       <p:ext uri="{BB962C8B-B14F-4D97-AF65-F5344CB8AC3E}">
-        <p14:creationId xmlns:p14="http://schemas.microsoft.com/office/powerpoint/2010/main" val="31421904"/>
+        <p14:creationId xmlns:p14="http://schemas.microsoft.com/office/powerpoint/2010/main" val="1832761007"/>
       </p:ext>
     </p:extLst>
   </p:cSld>
@@ -4792,7 +4816,7 @@
     </p:spTree>
     <p:extLst>
       <p:ext uri="{BB962C8B-B14F-4D97-AF65-F5344CB8AC3E}">
-        <p14:creationId xmlns:p14="http://schemas.microsoft.com/office/powerpoint/2010/main" val="1660835554"/>
+        <p14:creationId xmlns:p14="http://schemas.microsoft.com/office/powerpoint/2010/main" val="3436961718"/>
       </p:ext>
     </p:extLst>
   </p:cSld>
@@ -4822,7 +4846,7 @@
     </p:spTree>
     <p:extLst>
       <p:ext uri="{BB962C8B-B14F-4D97-AF65-F5344CB8AC3E}">
-        <p14:creationId xmlns:p14="http://schemas.microsoft.com/office/powerpoint/2010/main" val="2432472152"/>
+        <p14:creationId xmlns:p14="http://schemas.microsoft.com/office/powerpoint/2010/main" val="1660835554"/>
       </p:ext>
     </p:extLst>
   </p:cSld>
@@ -4852,7 +4876,7 @@
     </p:spTree>
     <p:extLst>
       <p:ext uri="{BB962C8B-B14F-4D97-AF65-F5344CB8AC3E}">
-        <p14:creationId xmlns:p14="http://schemas.microsoft.com/office/powerpoint/2010/main" val="149605799"/>
+        <p14:creationId xmlns:p14="http://schemas.microsoft.com/office/powerpoint/2010/main" val="2432472152"/>
       </p:ext>
     </p:extLst>
   </p:cSld>
@@ -4882,7 +4906,7 @@
     </p:spTree>
     <p:extLst>
       <p:ext uri="{BB962C8B-B14F-4D97-AF65-F5344CB8AC3E}">
-        <p14:creationId xmlns:p14="http://schemas.microsoft.com/office/powerpoint/2010/main" val="3516892779"/>
+        <p14:creationId xmlns:p14="http://schemas.microsoft.com/office/powerpoint/2010/main" val="149605799"/>
       </p:ext>
     </p:extLst>
   </p:cSld>
@@ -4912,6 +4936,36 @@
     </p:spTree>
     <p:extLst>
       <p:ext uri="{BB962C8B-B14F-4D97-AF65-F5344CB8AC3E}">
+        <p14:creationId xmlns:p14="http://schemas.microsoft.com/office/powerpoint/2010/main" val="3516892779"/>
+      </p:ext>
+    </p:extLst>
+  </p:cSld>
+  <p:clrMapOvr>
+    <a:masterClrMapping/>
+  </p:clrMapOvr>
+</p:sld>
+</file>
+
+<file path=ppt/slides/slide35.xml><?xml version="1.0" encoding="utf-8"?>
+<p:sld xmlns:a="http://schemas.openxmlformats.org/drawingml/2006/main" xmlns:r="http://schemas.openxmlformats.org/officeDocument/2006/relationships" xmlns:p="http://schemas.openxmlformats.org/presentationml/2006/main">
+  <p:cSld>
+    <p:spTree>
+      <p:nvGrpSpPr>
+        <p:cNvPr id="1" name=""/>
+        <p:cNvGrpSpPr/>
+        <p:nvPr/>
+      </p:nvGrpSpPr>
+      <p:grpSpPr>
+        <a:xfrm>
+          <a:off x="0" y="0"/>
+          <a:ext cx="0" cy="0"/>
+          <a:chOff x="0" y="0"/>
+          <a:chExt cx="0" cy="0"/>
+        </a:xfrm>
+      </p:grpSpPr>
+    </p:spTree>
+    <p:extLst>
+      <p:ext uri="{BB962C8B-B14F-4D97-AF65-F5344CB8AC3E}">
         <p14:creationId xmlns:p14="http://schemas.microsoft.com/office/powerpoint/2010/main" val="3897714553"/>
       </p:ext>
     </p:extLst>
@@ -4922,7 +4976,7 @@
 </p:sld>
 </file>
 
-<file path=ppt/slides/slide35.xml><?xml version="1.0" encoding="utf-8"?>
+<file path=ppt/slides/slide36.xml><?xml version="1.0" encoding="utf-8"?>
 <p:sld xmlns:a="http://schemas.openxmlformats.org/drawingml/2006/main" xmlns:r="http://schemas.openxmlformats.org/officeDocument/2006/relationships" xmlns:p="http://schemas.openxmlformats.org/presentationml/2006/main">
   <p:cSld>
     <p:spTree>
@@ -4969,44 +5023,40 @@
           <a:chExt cx="0" cy="0"/>
         </a:xfrm>
       </p:grpSpPr>
-      <p:sp>
-        <p:nvSpPr>
-          <p:cNvPr id="2" name="Rectangle 1">
-            <a:extLst>
-              <a:ext uri="{FF2B5EF4-FFF2-40B4-BE49-F238E27FC236}">
-                <a16:creationId xmlns:a16="http://schemas.microsoft.com/office/drawing/2014/main" id="{355C70E8-7D15-42CB-A17B-BEFFC143A77D}"/>
-              </a:ext>
-            </a:extLst>
-          </p:cNvPr>
-          <p:cNvSpPr/>
+      <p:pic>
+        <p:nvPicPr>
+          <p:cNvPr id="3" name="Picture 2">
+            <a:extLst>
+              <a:ext uri="{FF2B5EF4-FFF2-40B4-BE49-F238E27FC236}">
+                <a16:creationId xmlns:a16="http://schemas.microsoft.com/office/drawing/2014/main" id="{385BE78B-31DE-4D6E-B08C-B09EF299F9B4}"/>
+              </a:ext>
+            </a:extLst>
+          </p:cNvPr>
+          <p:cNvPicPr>
+            <a:picLocks noChangeAspect="1"/>
+          </p:cNvPicPr>
           <p:nvPr/>
-        </p:nvSpPr>
+        </p:nvPicPr>
+        <p:blipFill>
+          <a:blip r:embed="rId2"/>
+          <a:stretch>
+            <a:fillRect/>
+          </a:stretch>
+        </p:blipFill>
         <p:spPr>
           <a:xfrm>
-            <a:off x="1793185" y="2265479"/>
-            <a:ext cx="7769691" cy="1569660"/>
+            <a:off x="0" y="0"/>
+            <a:ext cx="12192000" cy="6858000"/>
           </a:xfrm>
           <a:prstGeom prst="rect">
             <a:avLst/>
           </a:prstGeom>
         </p:spPr>
-        <p:txBody>
-          <a:bodyPr wrap="none">
-            <a:spAutoFit/>
-          </a:bodyPr>
-          <a:lstStyle/>
-          <a:p>
-            <a:r>
-              <a:rPr lang="en-US" sz="9600" dirty="0"/>
-              <a:t>REGISTRATION </a:t>
-            </a:r>
-          </a:p>
-        </p:txBody>
-      </p:sp>
+      </p:pic>
     </p:spTree>
     <p:extLst>
       <p:ext uri="{BB962C8B-B14F-4D97-AF65-F5344CB8AC3E}">
-        <p14:creationId xmlns:p14="http://schemas.microsoft.com/office/powerpoint/2010/main" val="1832761007"/>
+        <p14:creationId xmlns:p14="http://schemas.microsoft.com/office/powerpoint/2010/main" val="31421904"/>
       </p:ext>
     </p:extLst>
   </p:cSld>
@@ -5035,10 +5085,10 @@
       </p:grpSpPr>
       <p:pic>
         <p:nvPicPr>
-          <p:cNvPr id="5" name="Picture 4">
-            <a:extLst>
-              <a:ext uri="{FF2B5EF4-FFF2-40B4-BE49-F238E27FC236}">
-                <a16:creationId xmlns:a16="http://schemas.microsoft.com/office/drawing/2014/main" id="{FF8FF984-0673-43C3-86DA-257323D867AB}"/>
+          <p:cNvPr id="2" name="Picture 1">
+            <a:extLst>
+              <a:ext uri="{FF2B5EF4-FFF2-40B4-BE49-F238E27FC236}">
+                <a16:creationId xmlns:a16="http://schemas.microsoft.com/office/drawing/2014/main" id="{E5C37CDC-895F-4CD3-959D-5A4A9E2825B7}"/>
               </a:ext>
             </a:extLst>
           </p:cNvPr>
@@ -5055,133 +5105,18 @@
         </p:blipFill>
         <p:spPr>
           <a:xfrm>
-            <a:off x="64655" y="36369"/>
-            <a:ext cx="12127345" cy="6821631"/>
+            <a:off x="0" y="0"/>
+            <a:ext cx="12192000" cy="6858000"/>
           </a:xfrm>
           <a:prstGeom prst="rect">
             <a:avLst/>
           </a:prstGeom>
         </p:spPr>
       </p:pic>
-      <p:sp>
-        <p:nvSpPr>
-          <p:cNvPr id="6" name="Rectangle 5">
-            <a:extLst>
-              <a:ext uri="{FF2B5EF4-FFF2-40B4-BE49-F238E27FC236}">
-                <a16:creationId xmlns:a16="http://schemas.microsoft.com/office/drawing/2014/main" id="{22CF7FE5-278E-4DEA-AE60-95A8A64A8422}"/>
-              </a:ext>
-            </a:extLst>
-          </p:cNvPr>
-          <p:cNvSpPr/>
-          <p:nvPr/>
-        </p:nvSpPr>
-        <p:spPr>
-          <a:xfrm>
-            <a:off x="157019" y="4075929"/>
-            <a:ext cx="6096000" cy="2585323"/>
-          </a:xfrm>
-          <a:prstGeom prst="rect">
-            <a:avLst/>
-          </a:prstGeom>
-        </p:spPr>
-        <p:txBody>
-          <a:bodyPr>
-            <a:spAutoFit/>
-          </a:bodyPr>
-          <a:lstStyle/>
-          <a:p>
-            <a:r>
-              <a:rPr lang="en-US" dirty="0"/>
-              <a:t>SERVICES PAGE</a:t>
-            </a:r>
-          </a:p>
-          <a:p>
-            <a:endParaRPr lang="en-US" dirty="0"/>
-          </a:p>
-          <a:p>
-            <a:r>
-              <a:rPr lang="en-US" dirty="0"/>
-              <a:t>Nav: </a:t>
-            </a:r>
-          </a:p>
-          <a:p>
-            <a:r>
-              <a:rPr lang="en-US" dirty="0">
-                <a:highlight>
-                  <a:srgbClr val="FFFF00"/>
-                </a:highlight>
-              </a:rPr>
-              <a:t>-EACH icon on click to lead to section detailing below</a:t>
-            </a:r>
-          </a:p>
-          <a:p>
-            <a:r>
-              <a:rPr lang="en-US" dirty="0">
-                <a:highlight>
-                  <a:srgbClr val="FFFF00"/>
-                </a:highlight>
-              </a:rPr>
-              <a:t>-Secured bank</a:t>
-            </a:r>
-          </a:p>
-          <a:p>
-            <a:r>
-              <a:rPr lang="en-US" dirty="0">
-                <a:highlight>
-                  <a:srgbClr val="FFFF00"/>
-                </a:highlight>
-              </a:rPr>
-              <a:t>-secured personal and business</a:t>
-            </a:r>
-          </a:p>
-          <a:p>
-            <a:r>
-              <a:rPr lang="en-US" dirty="0">
-                <a:highlight>
-                  <a:srgbClr val="FFFF00"/>
-                </a:highlight>
-              </a:rPr>
-              <a:t>-investing</a:t>
-            </a:r>
-          </a:p>
-          <a:p>
-            <a:r>
-              <a:rPr lang="en-US" dirty="0">
-                <a:highlight>
-                  <a:srgbClr val="FFFF00"/>
-                </a:highlight>
-              </a:rPr>
-              <a:t>-support </a:t>
-            </a:r>
-            <a:endParaRPr lang="en-US" dirty="0">
-              <a:highlight>
-                <a:srgbClr val="FFFF00"/>
-              </a:highlight>
-              <a:sym typeface="Wingdings" panose="05000000000000000000" pitchFamily="2" charset="2"/>
-            </a:endParaRPr>
-          </a:p>
-          <a:p>
-            <a:r>
-              <a:rPr lang="en-US" dirty="0">
-                <a:highlight>
-                  <a:srgbClr val="FFFF00"/>
-                </a:highlight>
-                <a:sym typeface="Wingdings" panose="05000000000000000000" pitchFamily="2" charset="2"/>
-              </a:rPr>
-              <a:t>(if highlight = to do)</a:t>
-            </a:r>
-            <a:endParaRPr lang="en-US" dirty="0">
-              <a:highlight>
-                <a:srgbClr val="FFFF00"/>
-              </a:highlight>
-            </a:endParaRPr>
-          </a:p>
-        </p:txBody>
-      </p:sp>
     </p:spTree>
     <p:extLst>
       <p:ext uri="{BB962C8B-B14F-4D97-AF65-F5344CB8AC3E}">
-        <p14:creationId xmlns:p14="http://schemas.microsoft.com/office/powerpoint/2010/main" val="317730895"/>
+        <p14:creationId xmlns:p14="http://schemas.microsoft.com/office/powerpoint/2010/main" val="3609772406"/>
       </p:ext>
     </p:extLst>
   </p:cSld>
@@ -5210,10 +5145,10 @@
       </p:grpSpPr>
       <p:pic>
         <p:nvPicPr>
-          <p:cNvPr id="4" name="Picture 3">
-            <a:extLst>
-              <a:ext uri="{FF2B5EF4-FFF2-40B4-BE49-F238E27FC236}">
-                <a16:creationId xmlns:a16="http://schemas.microsoft.com/office/drawing/2014/main" id="{B702F4FF-4999-48DD-8D3A-EE9440A48351}"/>
+          <p:cNvPr id="5" name="Picture 4">
+            <a:extLst>
+              <a:ext uri="{FF2B5EF4-FFF2-40B4-BE49-F238E27FC236}">
+                <a16:creationId xmlns:a16="http://schemas.microsoft.com/office/drawing/2014/main" id="{FF8FF984-0673-43C3-86DA-257323D867AB}"/>
               </a:ext>
             </a:extLst>
           </p:cNvPr>
@@ -5230,8 +5165,8 @@
         </p:blipFill>
         <p:spPr>
           <a:xfrm>
-            <a:off x="0" y="0"/>
-            <a:ext cx="12192000" cy="6858000"/>
+            <a:off x="32327" y="0"/>
+            <a:ext cx="12127345" cy="6821631"/>
           </a:xfrm>
           <a:prstGeom prst="rect">
             <a:avLst/>
@@ -5240,10 +5175,10 @@
       </p:pic>
       <p:sp>
         <p:nvSpPr>
-          <p:cNvPr id="5" name="Rectangle 4">
-            <a:extLst>
-              <a:ext uri="{FF2B5EF4-FFF2-40B4-BE49-F238E27FC236}">
-                <a16:creationId xmlns:a16="http://schemas.microsoft.com/office/drawing/2014/main" id="{5D89833D-C973-4004-8030-303212F1800A}"/>
+          <p:cNvPr id="6" name="Rectangle 5">
+            <a:extLst>
+              <a:ext uri="{FF2B5EF4-FFF2-40B4-BE49-F238E27FC236}">
+                <a16:creationId xmlns:a16="http://schemas.microsoft.com/office/drawing/2014/main" id="{22CF7FE5-278E-4DEA-AE60-95A8A64A8422}"/>
               </a:ext>
             </a:extLst>
           </p:cNvPr>
@@ -5252,8 +5187,8 @@
         </p:nvSpPr>
         <p:spPr>
           <a:xfrm>
-            <a:off x="0" y="4219560"/>
-            <a:ext cx="6096000" cy="1477328"/>
+            <a:off x="157019" y="4075929"/>
+            <a:ext cx="6096000" cy="369332"/>
           </a:xfrm>
           <a:prstGeom prst="rect">
             <a:avLst/>
@@ -5267,50 +5202,15 @@
           <a:p>
             <a:r>
               <a:rPr lang="en-US" dirty="0"/>
-              <a:t>ABOUT US PAGE</a:t>
-            </a:r>
-          </a:p>
-          <a:p>
-            <a:endParaRPr lang="en-US" dirty="0"/>
-          </a:p>
-          <a:p>
-            <a:r>
-              <a:rPr lang="en-US" dirty="0"/>
-              <a:t>Nav: </a:t>
-            </a:r>
-          </a:p>
-          <a:p>
-            <a:r>
-              <a:rPr lang="en-US" dirty="0">
-                <a:highlight>
-                  <a:srgbClr val="FFFF00"/>
-                </a:highlight>
-              </a:rPr>
-              <a:t>-Pictures to show each member</a:t>
-            </a:r>
-          </a:p>
-          <a:p>
-            <a:r>
-              <a:rPr lang="en-US" dirty="0">
-                <a:highlight>
-                  <a:srgbClr val="FFFF00"/>
-                </a:highlight>
-              </a:rPr>
-              <a:t>-Each member will show description upon click</a:t>
-            </a:r>
-            <a:endParaRPr lang="en-US" dirty="0">
-              <a:highlight>
-                <a:srgbClr val="FFFF00"/>
-              </a:highlight>
-              <a:sym typeface="Wingdings" panose="05000000000000000000" pitchFamily="2" charset="2"/>
-            </a:endParaRPr>
+              <a:t>SERVICES PAGE</a:t>
+            </a:r>
           </a:p>
         </p:txBody>
       </p:sp>
     </p:spTree>
     <p:extLst>
       <p:ext uri="{BB962C8B-B14F-4D97-AF65-F5344CB8AC3E}">
-        <p14:creationId xmlns:p14="http://schemas.microsoft.com/office/powerpoint/2010/main" val="2971478882"/>
+        <p14:creationId xmlns:p14="http://schemas.microsoft.com/office/powerpoint/2010/main" val="317730895"/>
       </p:ext>
     </p:extLst>
   </p:cSld>
@@ -5337,44 +5237,40 @@
           <a:chExt cx="0" cy="0"/>
         </a:xfrm>
       </p:grpSpPr>
-      <p:sp>
-        <p:nvSpPr>
-          <p:cNvPr id="2" name="Rectangle 1">
-            <a:extLst>
-              <a:ext uri="{FF2B5EF4-FFF2-40B4-BE49-F238E27FC236}">
-                <a16:creationId xmlns:a16="http://schemas.microsoft.com/office/drawing/2014/main" id="{13BC8D0F-4463-475C-9EFC-0A1570145FF3}"/>
-              </a:ext>
-            </a:extLst>
-          </p:cNvPr>
-          <p:cNvSpPr/>
+      <p:pic>
+        <p:nvPicPr>
+          <p:cNvPr id="2" name="Picture 1">
+            <a:extLst>
+              <a:ext uri="{FF2B5EF4-FFF2-40B4-BE49-F238E27FC236}">
+                <a16:creationId xmlns:a16="http://schemas.microsoft.com/office/drawing/2014/main" id="{60E0B80B-B1E2-4F71-A122-7F672AC0DC9D}"/>
+              </a:ext>
+            </a:extLst>
+          </p:cNvPr>
+          <p:cNvPicPr>
+            <a:picLocks noChangeAspect="1"/>
+          </p:cNvPicPr>
           <p:nvPr/>
-        </p:nvSpPr>
+        </p:nvPicPr>
+        <p:blipFill>
+          <a:blip r:embed="rId2"/>
+          <a:stretch>
+            <a:fillRect/>
+          </a:stretch>
+        </p:blipFill>
         <p:spPr>
           <a:xfrm>
-            <a:off x="4019149" y="2644170"/>
-            <a:ext cx="4066754" cy="1569660"/>
+            <a:off x="-83975" y="0"/>
+            <a:ext cx="12192000" cy="6858000"/>
           </a:xfrm>
           <a:prstGeom prst="rect">
             <a:avLst/>
           </a:prstGeom>
         </p:spPr>
-        <p:txBody>
-          <a:bodyPr wrap="none">
-            <a:spAutoFit/>
-          </a:bodyPr>
-          <a:lstStyle/>
-          <a:p>
-            <a:r>
-              <a:rPr lang="en-US" sz="9600" dirty="0"/>
-              <a:t>KRISTIN</a:t>
-            </a:r>
-          </a:p>
-        </p:txBody>
-      </p:sp>
+      </p:pic>
     </p:spTree>
     <p:extLst>
       <p:ext uri="{BB962C8B-B14F-4D97-AF65-F5344CB8AC3E}">
-        <p14:creationId xmlns:p14="http://schemas.microsoft.com/office/powerpoint/2010/main" val="432301739"/>
+        <p14:creationId xmlns:p14="http://schemas.microsoft.com/office/powerpoint/2010/main" val="2971478882"/>
       </p:ext>
     </p:extLst>
   </p:cSld>
@@ -5401,44 +5297,70 @@
           <a:chExt cx="0" cy="0"/>
         </a:xfrm>
       </p:grpSpPr>
-      <p:sp>
-        <p:nvSpPr>
-          <p:cNvPr id="2" name="Rectangle 1">
-            <a:extLst>
-              <a:ext uri="{FF2B5EF4-FFF2-40B4-BE49-F238E27FC236}">
-                <a16:creationId xmlns:a16="http://schemas.microsoft.com/office/drawing/2014/main" id="{0B2494AD-FEBE-480E-866D-A17F0684A082}"/>
-              </a:ext>
-            </a:extLst>
-          </p:cNvPr>
-          <p:cNvSpPr/>
+      <p:pic>
+        <p:nvPicPr>
+          <p:cNvPr id="3" name="Picture 2">
+            <a:extLst>
+              <a:ext uri="{FF2B5EF4-FFF2-40B4-BE49-F238E27FC236}">
+                <a16:creationId xmlns:a16="http://schemas.microsoft.com/office/drawing/2014/main" id="{A736F0A5-3CC9-435E-85EF-FAE259112267}"/>
+              </a:ext>
+            </a:extLst>
+          </p:cNvPr>
+          <p:cNvPicPr>
+            <a:picLocks noChangeAspect="1"/>
+          </p:cNvPicPr>
           <p:nvPr/>
-        </p:nvSpPr>
+        </p:nvPicPr>
+        <p:blipFill>
+          <a:blip r:embed="rId2"/>
+          <a:stretch>
+            <a:fillRect/>
+          </a:stretch>
+        </p:blipFill>
         <p:spPr>
           <a:xfrm>
-            <a:off x="4019149" y="2644170"/>
-            <a:ext cx="2587568" cy="1569660"/>
+            <a:off x="0" y="0"/>
+            <a:ext cx="4739951" cy="2666222"/>
           </a:xfrm>
           <a:prstGeom prst="rect">
             <a:avLst/>
           </a:prstGeom>
         </p:spPr>
-        <p:txBody>
-          <a:bodyPr wrap="none">
-            <a:spAutoFit/>
-          </a:bodyPr>
-          <a:lstStyle/>
-          <a:p>
-            <a:r>
-              <a:rPr lang="en-US" sz="9600" dirty="0"/>
-              <a:t>NICK</a:t>
-            </a:r>
-          </a:p>
-        </p:txBody>
-      </p:sp>
+      </p:pic>
+      <p:pic>
+        <p:nvPicPr>
+          <p:cNvPr id="4" name="Picture 3">
+            <a:extLst>
+              <a:ext uri="{FF2B5EF4-FFF2-40B4-BE49-F238E27FC236}">
+                <a16:creationId xmlns:a16="http://schemas.microsoft.com/office/drawing/2014/main" id="{A95EB85D-5427-46E2-B674-E2CE28383B62}"/>
+              </a:ext>
+            </a:extLst>
+          </p:cNvPr>
+          <p:cNvPicPr>
+            <a:picLocks noChangeAspect="1"/>
+          </p:cNvPicPr>
+          <p:nvPr/>
+        </p:nvPicPr>
+        <p:blipFill>
+          <a:blip r:embed="rId3"/>
+          <a:stretch>
+            <a:fillRect/>
+          </a:stretch>
+        </p:blipFill>
+        <p:spPr>
+          <a:xfrm>
+            <a:off x="2604276" y="1464906"/>
+            <a:ext cx="9587723" cy="5393094"/>
+          </a:xfrm>
+          <a:prstGeom prst="rect">
+            <a:avLst/>
+          </a:prstGeom>
+        </p:spPr>
+      </p:pic>
     </p:spTree>
     <p:extLst>
       <p:ext uri="{BB962C8B-B14F-4D97-AF65-F5344CB8AC3E}">
-        <p14:creationId xmlns:p14="http://schemas.microsoft.com/office/powerpoint/2010/main" val="196927005"/>
+        <p14:creationId xmlns:p14="http://schemas.microsoft.com/office/powerpoint/2010/main" val="432301739"/>
       </p:ext>
     </p:extLst>
   </p:cSld>
@@ -5465,44 +5387,40 @@
           <a:chExt cx="0" cy="0"/>
         </a:xfrm>
       </p:grpSpPr>
-      <p:sp>
-        <p:nvSpPr>
-          <p:cNvPr id="2" name="Rectangle 1">
-            <a:extLst>
-              <a:ext uri="{FF2B5EF4-FFF2-40B4-BE49-F238E27FC236}">
-                <a16:creationId xmlns:a16="http://schemas.microsoft.com/office/drawing/2014/main" id="{7BF88F59-DD75-42C0-977D-70648D2EBD32}"/>
-              </a:ext>
-            </a:extLst>
-          </p:cNvPr>
-          <p:cNvSpPr/>
+      <p:pic>
+        <p:nvPicPr>
+          <p:cNvPr id="3" name="Picture 2">
+            <a:extLst>
+              <a:ext uri="{FF2B5EF4-FFF2-40B4-BE49-F238E27FC236}">
+                <a16:creationId xmlns:a16="http://schemas.microsoft.com/office/drawing/2014/main" id="{D247C010-41B3-4BB6-962D-B4B805BC9A02}"/>
+              </a:ext>
+            </a:extLst>
+          </p:cNvPr>
+          <p:cNvPicPr>
+            <a:picLocks noChangeAspect="1"/>
+          </p:cNvPicPr>
           <p:nvPr/>
-        </p:nvSpPr>
+        </p:nvPicPr>
+        <p:blipFill>
+          <a:blip r:embed="rId2"/>
+          <a:stretch>
+            <a:fillRect/>
+          </a:stretch>
+        </p:blipFill>
         <p:spPr>
           <a:xfrm>
-            <a:off x="4019149" y="2644170"/>
-            <a:ext cx="4324197" cy="1569660"/>
+            <a:off x="0" y="0"/>
+            <a:ext cx="12192000" cy="6858000"/>
           </a:xfrm>
           <a:prstGeom prst="rect">
             <a:avLst/>
           </a:prstGeom>
         </p:spPr>
-        <p:txBody>
-          <a:bodyPr wrap="none">
-            <a:spAutoFit/>
-          </a:bodyPr>
-          <a:lstStyle/>
-          <a:p>
-            <a:r>
-              <a:rPr lang="en-US" sz="9600" dirty="0"/>
-              <a:t>RUFARO</a:t>
-            </a:r>
-          </a:p>
-        </p:txBody>
-      </p:sp>
+      </p:pic>
     </p:spTree>
     <p:extLst>
       <p:ext uri="{BB962C8B-B14F-4D97-AF65-F5344CB8AC3E}">
-        <p14:creationId xmlns:p14="http://schemas.microsoft.com/office/powerpoint/2010/main" val="1670452531"/>
+        <p14:creationId xmlns:p14="http://schemas.microsoft.com/office/powerpoint/2010/main" val="196927005"/>
       </p:ext>
     </p:extLst>
   </p:cSld>

--- a/UnusedCode/Navigations.pptx
+++ b/UnusedCode/Navigations.pptx
@@ -5,45 +5,48 @@
     <p:sldMasterId id="2147483648" r:id="rId1"/>
   </p:sldMasterIdLst>
   <p:notesMasterIdLst>
-    <p:notesMasterId r:id="rId38"/>
+    <p:notesMasterId r:id="rId41"/>
   </p:notesMasterIdLst>
   <p:sldIdLst>
     <p:sldId id="256" r:id="rId2"/>
     <p:sldId id="258" r:id="rId3"/>
     <p:sldId id="290" r:id="rId4"/>
     <p:sldId id="289" r:id="rId5"/>
-    <p:sldId id="291" r:id="rId6"/>
-    <p:sldId id="257" r:id="rId7"/>
-    <p:sldId id="259" r:id="rId8"/>
-    <p:sldId id="286" r:id="rId9"/>
-    <p:sldId id="287" r:id="rId10"/>
-    <p:sldId id="288" r:id="rId11"/>
-    <p:sldId id="260" r:id="rId12"/>
-    <p:sldId id="261" r:id="rId13"/>
-    <p:sldId id="262" r:id="rId14"/>
-    <p:sldId id="263" r:id="rId15"/>
-    <p:sldId id="264" r:id="rId16"/>
-    <p:sldId id="265" r:id="rId17"/>
-    <p:sldId id="266" r:id="rId18"/>
-    <p:sldId id="267" r:id="rId19"/>
-    <p:sldId id="268" r:id="rId20"/>
-    <p:sldId id="269" r:id="rId21"/>
-    <p:sldId id="270" r:id="rId22"/>
-    <p:sldId id="271" r:id="rId23"/>
-    <p:sldId id="272" r:id="rId24"/>
-    <p:sldId id="273" r:id="rId25"/>
-    <p:sldId id="274" r:id="rId26"/>
-    <p:sldId id="275" r:id="rId27"/>
-    <p:sldId id="276" r:id="rId28"/>
-    <p:sldId id="277" r:id="rId29"/>
-    <p:sldId id="278" r:id="rId30"/>
-    <p:sldId id="279" r:id="rId31"/>
-    <p:sldId id="280" r:id="rId32"/>
-    <p:sldId id="281" r:id="rId33"/>
-    <p:sldId id="282" r:id="rId34"/>
-    <p:sldId id="283" r:id="rId35"/>
-    <p:sldId id="284" r:id="rId36"/>
-    <p:sldId id="285" r:id="rId37"/>
+    <p:sldId id="293" r:id="rId6"/>
+    <p:sldId id="294" r:id="rId7"/>
+    <p:sldId id="292" r:id="rId8"/>
+    <p:sldId id="291" r:id="rId9"/>
+    <p:sldId id="257" r:id="rId10"/>
+    <p:sldId id="259" r:id="rId11"/>
+    <p:sldId id="286" r:id="rId12"/>
+    <p:sldId id="287" r:id="rId13"/>
+    <p:sldId id="288" r:id="rId14"/>
+    <p:sldId id="260" r:id="rId15"/>
+    <p:sldId id="261" r:id="rId16"/>
+    <p:sldId id="262" r:id="rId17"/>
+    <p:sldId id="263" r:id="rId18"/>
+    <p:sldId id="264" r:id="rId19"/>
+    <p:sldId id="265" r:id="rId20"/>
+    <p:sldId id="266" r:id="rId21"/>
+    <p:sldId id="267" r:id="rId22"/>
+    <p:sldId id="268" r:id="rId23"/>
+    <p:sldId id="269" r:id="rId24"/>
+    <p:sldId id="270" r:id="rId25"/>
+    <p:sldId id="271" r:id="rId26"/>
+    <p:sldId id="272" r:id="rId27"/>
+    <p:sldId id="273" r:id="rId28"/>
+    <p:sldId id="274" r:id="rId29"/>
+    <p:sldId id="275" r:id="rId30"/>
+    <p:sldId id="276" r:id="rId31"/>
+    <p:sldId id="277" r:id="rId32"/>
+    <p:sldId id="278" r:id="rId33"/>
+    <p:sldId id="279" r:id="rId34"/>
+    <p:sldId id="280" r:id="rId35"/>
+    <p:sldId id="281" r:id="rId36"/>
+    <p:sldId id="282" r:id="rId37"/>
+    <p:sldId id="283" r:id="rId38"/>
+    <p:sldId id="284" r:id="rId39"/>
+    <p:sldId id="285" r:id="rId40"/>
   </p:sldIdLst>
   <p:sldSz cx="12192000" cy="6858000"/>
   <p:notesSz cx="6858000" cy="9144000"/>
@@ -3805,17 +3808,8 @@
               <a:rPr lang="en-US" dirty="0">
                 <a:sym typeface="Wingdings" panose="05000000000000000000" pitchFamily="2" charset="2"/>
               </a:rPr>
-              <a:t> </a:t>
-            </a:r>
-            <a:r>
-              <a:rPr lang="en-US">
-                <a:sym typeface="Wingdings" panose="05000000000000000000" pitchFamily="2" charset="2"/>
-              </a:rPr>
-              <a:t>Services Page</a:t>
-            </a:r>
-            <a:endParaRPr lang="en-US" dirty="0">
-              <a:sym typeface="Wingdings" panose="05000000000000000000" pitchFamily="2" charset="2"/>
-            </a:endParaRPr>
+              <a:t> Services Page</a:t>
+            </a:r>
           </a:p>
         </p:txBody>
       </p:sp>
@@ -3833,6 +3827,216 @@
 </file>
 
 <file path=ppt/slides/slide10.xml><?xml version="1.0" encoding="utf-8"?>
+<p:sld xmlns:a="http://schemas.openxmlformats.org/drawingml/2006/main" xmlns:r="http://schemas.openxmlformats.org/officeDocument/2006/relationships" xmlns:p="http://schemas.openxmlformats.org/presentationml/2006/main">
+  <p:cSld>
+    <p:spTree>
+      <p:nvGrpSpPr>
+        <p:cNvPr id="1" name=""/>
+        <p:cNvGrpSpPr/>
+        <p:nvPr/>
+      </p:nvGrpSpPr>
+      <p:grpSpPr>
+        <a:xfrm>
+          <a:off x="0" y="0"/>
+          <a:ext cx="0" cy="0"/>
+          <a:chOff x="0" y="0"/>
+          <a:chExt cx="0" cy="0"/>
+        </a:xfrm>
+      </p:grpSpPr>
+      <p:pic>
+        <p:nvPicPr>
+          <p:cNvPr id="2" name="Picture 1">
+            <a:extLst>
+              <a:ext uri="{FF2B5EF4-FFF2-40B4-BE49-F238E27FC236}">
+                <a16:creationId xmlns:a16="http://schemas.microsoft.com/office/drawing/2014/main" id="{60E0B80B-B1E2-4F71-A122-7F672AC0DC9D}"/>
+              </a:ext>
+            </a:extLst>
+          </p:cNvPr>
+          <p:cNvPicPr>
+            <a:picLocks noChangeAspect="1"/>
+          </p:cNvPicPr>
+          <p:nvPr/>
+        </p:nvPicPr>
+        <p:blipFill>
+          <a:blip r:embed="rId2"/>
+          <a:stretch>
+            <a:fillRect/>
+          </a:stretch>
+        </p:blipFill>
+        <p:spPr>
+          <a:xfrm>
+            <a:off x="-83975" y="0"/>
+            <a:ext cx="12192000" cy="6858000"/>
+          </a:xfrm>
+          <a:prstGeom prst="rect">
+            <a:avLst/>
+          </a:prstGeom>
+        </p:spPr>
+      </p:pic>
+    </p:spTree>
+    <p:extLst>
+      <p:ext uri="{BB962C8B-B14F-4D97-AF65-F5344CB8AC3E}">
+        <p14:creationId xmlns:p14="http://schemas.microsoft.com/office/powerpoint/2010/main" val="2971478882"/>
+      </p:ext>
+    </p:extLst>
+  </p:cSld>
+  <p:clrMapOvr>
+    <a:masterClrMapping/>
+  </p:clrMapOvr>
+</p:sld>
+</file>
+
+<file path=ppt/slides/slide11.xml><?xml version="1.0" encoding="utf-8"?>
+<p:sld xmlns:a="http://schemas.openxmlformats.org/drawingml/2006/main" xmlns:r="http://schemas.openxmlformats.org/officeDocument/2006/relationships" xmlns:p="http://schemas.openxmlformats.org/presentationml/2006/main">
+  <p:cSld>
+    <p:spTree>
+      <p:nvGrpSpPr>
+        <p:cNvPr id="1" name=""/>
+        <p:cNvGrpSpPr/>
+        <p:nvPr/>
+      </p:nvGrpSpPr>
+      <p:grpSpPr>
+        <a:xfrm>
+          <a:off x="0" y="0"/>
+          <a:ext cx="0" cy="0"/>
+          <a:chOff x="0" y="0"/>
+          <a:chExt cx="0" cy="0"/>
+        </a:xfrm>
+      </p:grpSpPr>
+      <p:pic>
+        <p:nvPicPr>
+          <p:cNvPr id="3" name="Picture 2">
+            <a:extLst>
+              <a:ext uri="{FF2B5EF4-FFF2-40B4-BE49-F238E27FC236}">
+                <a16:creationId xmlns:a16="http://schemas.microsoft.com/office/drawing/2014/main" id="{A736F0A5-3CC9-435E-85EF-FAE259112267}"/>
+              </a:ext>
+            </a:extLst>
+          </p:cNvPr>
+          <p:cNvPicPr>
+            <a:picLocks noChangeAspect="1"/>
+          </p:cNvPicPr>
+          <p:nvPr/>
+        </p:nvPicPr>
+        <p:blipFill>
+          <a:blip r:embed="rId2"/>
+          <a:stretch>
+            <a:fillRect/>
+          </a:stretch>
+        </p:blipFill>
+        <p:spPr>
+          <a:xfrm>
+            <a:off x="0" y="0"/>
+            <a:ext cx="4739951" cy="2666222"/>
+          </a:xfrm>
+          <a:prstGeom prst="rect">
+            <a:avLst/>
+          </a:prstGeom>
+        </p:spPr>
+      </p:pic>
+      <p:pic>
+        <p:nvPicPr>
+          <p:cNvPr id="4" name="Picture 3">
+            <a:extLst>
+              <a:ext uri="{FF2B5EF4-FFF2-40B4-BE49-F238E27FC236}">
+                <a16:creationId xmlns:a16="http://schemas.microsoft.com/office/drawing/2014/main" id="{A95EB85D-5427-46E2-B674-E2CE28383B62}"/>
+              </a:ext>
+            </a:extLst>
+          </p:cNvPr>
+          <p:cNvPicPr>
+            <a:picLocks noChangeAspect="1"/>
+          </p:cNvPicPr>
+          <p:nvPr/>
+        </p:nvPicPr>
+        <p:blipFill>
+          <a:blip r:embed="rId3"/>
+          <a:stretch>
+            <a:fillRect/>
+          </a:stretch>
+        </p:blipFill>
+        <p:spPr>
+          <a:xfrm>
+            <a:off x="2604276" y="1464906"/>
+            <a:ext cx="9587723" cy="5393094"/>
+          </a:xfrm>
+          <a:prstGeom prst="rect">
+            <a:avLst/>
+          </a:prstGeom>
+        </p:spPr>
+      </p:pic>
+    </p:spTree>
+    <p:extLst>
+      <p:ext uri="{BB962C8B-B14F-4D97-AF65-F5344CB8AC3E}">
+        <p14:creationId xmlns:p14="http://schemas.microsoft.com/office/powerpoint/2010/main" val="432301739"/>
+      </p:ext>
+    </p:extLst>
+  </p:cSld>
+  <p:clrMapOvr>
+    <a:masterClrMapping/>
+  </p:clrMapOvr>
+</p:sld>
+</file>
+
+<file path=ppt/slides/slide12.xml><?xml version="1.0" encoding="utf-8"?>
+<p:sld xmlns:a="http://schemas.openxmlformats.org/drawingml/2006/main" xmlns:r="http://schemas.openxmlformats.org/officeDocument/2006/relationships" xmlns:p="http://schemas.openxmlformats.org/presentationml/2006/main">
+  <p:cSld>
+    <p:spTree>
+      <p:nvGrpSpPr>
+        <p:cNvPr id="1" name=""/>
+        <p:cNvGrpSpPr/>
+        <p:nvPr/>
+      </p:nvGrpSpPr>
+      <p:grpSpPr>
+        <a:xfrm>
+          <a:off x="0" y="0"/>
+          <a:ext cx="0" cy="0"/>
+          <a:chOff x="0" y="0"/>
+          <a:chExt cx="0" cy="0"/>
+        </a:xfrm>
+      </p:grpSpPr>
+      <p:pic>
+        <p:nvPicPr>
+          <p:cNvPr id="3" name="Picture 2">
+            <a:extLst>
+              <a:ext uri="{FF2B5EF4-FFF2-40B4-BE49-F238E27FC236}">
+                <a16:creationId xmlns:a16="http://schemas.microsoft.com/office/drawing/2014/main" id="{D247C010-41B3-4BB6-962D-B4B805BC9A02}"/>
+              </a:ext>
+            </a:extLst>
+          </p:cNvPr>
+          <p:cNvPicPr>
+            <a:picLocks noChangeAspect="1"/>
+          </p:cNvPicPr>
+          <p:nvPr/>
+        </p:nvPicPr>
+        <p:blipFill>
+          <a:blip r:embed="rId2"/>
+          <a:stretch>
+            <a:fillRect/>
+          </a:stretch>
+        </p:blipFill>
+        <p:spPr>
+          <a:xfrm>
+            <a:off x="0" y="0"/>
+            <a:ext cx="12192000" cy="6858000"/>
+          </a:xfrm>
+          <a:prstGeom prst="rect">
+            <a:avLst/>
+          </a:prstGeom>
+        </p:spPr>
+      </p:pic>
+    </p:spTree>
+    <p:extLst>
+      <p:ext uri="{BB962C8B-B14F-4D97-AF65-F5344CB8AC3E}">
+        <p14:creationId xmlns:p14="http://schemas.microsoft.com/office/powerpoint/2010/main" val="196927005"/>
+      </p:ext>
+    </p:extLst>
+  </p:cSld>
+  <p:clrMapOvr>
+    <a:masterClrMapping/>
+  </p:clrMapOvr>
+</p:sld>
+</file>
+
+<file path=ppt/slides/slide13.xml><?xml version="1.0" encoding="utf-8"?>
 <p:sld xmlns:a="http://schemas.openxmlformats.org/drawingml/2006/main" xmlns:r="http://schemas.openxmlformats.org/officeDocument/2006/relationships" xmlns:p="http://schemas.openxmlformats.org/presentationml/2006/main">
   <p:cSld>
     <p:spTree>
@@ -3892,7 +4096,7 @@
 </p:sld>
 </file>
 
-<file path=ppt/slides/slide11.xml><?xml version="1.0" encoding="utf-8"?>
+<file path=ppt/slides/slide14.xml><?xml version="1.0" encoding="utf-8"?>
 <p:sld xmlns:a="http://schemas.openxmlformats.org/drawingml/2006/main" xmlns:r="http://schemas.openxmlformats.org/officeDocument/2006/relationships" xmlns:p="http://schemas.openxmlformats.org/presentationml/2006/main">
   <p:cSld>
     <p:spTree>
@@ -4021,7 +4225,7 @@
 </p:sld>
 </file>
 
-<file path=ppt/slides/slide12.xml><?xml version="1.0" encoding="utf-8"?>
+<file path=ppt/slides/slide15.xml><?xml version="1.0" encoding="utf-8"?>
 <p:sld xmlns:a="http://schemas.openxmlformats.org/drawingml/2006/main" xmlns:r="http://schemas.openxmlformats.org/officeDocument/2006/relationships" xmlns:p="http://schemas.openxmlformats.org/presentationml/2006/main">
   <p:cSld>
     <p:spTree>
@@ -4038,41 +4242,6 @@
           <a:chExt cx="0" cy="0"/>
         </a:xfrm>
       </p:grpSpPr>
-      <p:sp>
-        <p:nvSpPr>
-          <p:cNvPr id="4" name="TextBox 3">
-            <a:extLst>
-              <a:ext uri="{FF2B5EF4-FFF2-40B4-BE49-F238E27FC236}">
-                <a16:creationId xmlns:a16="http://schemas.microsoft.com/office/drawing/2014/main" id="{590B6B71-8556-4D8A-ABBA-E258063D1D51}"/>
-              </a:ext>
-            </a:extLst>
-          </p:cNvPr>
-          <p:cNvSpPr txBox="1"/>
-          <p:nvPr/>
-        </p:nvSpPr>
-        <p:spPr>
-          <a:xfrm>
-            <a:off x="2020711" y="2393244"/>
-            <a:ext cx="7428089" cy="1908215"/>
-          </a:xfrm>
-          <a:prstGeom prst="rect">
-            <a:avLst/>
-          </a:prstGeom>
-          <a:noFill/>
-        </p:spPr>
-        <p:txBody>
-          <a:bodyPr wrap="square" rtlCol="0">
-            <a:spAutoFit/>
-          </a:bodyPr>
-          <a:lstStyle/>
-          <a:p>
-            <a:r>
-              <a:rPr lang="en-US" sz="11800" dirty="0"/>
-              <a:t>MOBILE</a:t>
-            </a:r>
-          </a:p>
-        </p:txBody>
-      </p:sp>
     </p:spTree>
     <p:extLst>
       <p:ext uri="{BB962C8B-B14F-4D97-AF65-F5344CB8AC3E}">
@@ -4086,7 +4255,7 @@
 </p:sld>
 </file>
 
-<file path=ppt/slides/slide13.xml><?xml version="1.0" encoding="utf-8"?>
+<file path=ppt/slides/slide16.xml><?xml version="1.0" encoding="utf-8"?>
 <p:sld xmlns:a="http://schemas.openxmlformats.org/drawingml/2006/main" xmlns:r="http://schemas.openxmlformats.org/officeDocument/2006/relationships" xmlns:p="http://schemas.openxmlformats.org/presentationml/2006/main">
   <p:cSld>
     <p:spTree>
@@ -4116,7 +4285,7 @@
 </p:sld>
 </file>
 
-<file path=ppt/slides/slide14.xml><?xml version="1.0" encoding="utf-8"?>
+<file path=ppt/slides/slide17.xml><?xml version="1.0" encoding="utf-8"?>
 <p:sld xmlns:a="http://schemas.openxmlformats.org/drawingml/2006/main" xmlns:r="http://schemas.openxmlformats.org/officeDocument/2006/relationships" xmlns:p="http://schemas.openxmlformats.org/presentationml/2006/main">
   <p:cSld>
     <p:spTree>
@@ -4146,7 +4315,7 @@
 </p:sld>
 </file>
 
-<file path=ppt/slides/slide15.xml><?xml version="1.0" encoding="utf-8"?>
+<file path=ppt/slides/slide18.xml><?xml version="1.0" encoding="utf-8"?>
 <p:sld xmlns:a="http://schemas.openxmlformats.org/drawingml/2006/main" xmlns:r="http://schemas.openxmlformats.org/officeDocument/2006/relationships" xmlns:p="http://schemas.openxmlformats.org/presentationml/2006/main">
   <p:cSld>
     <p:spTree>
@@ -4176,7 +4345,7 @@
 </p:sld>
 </file>
 
-<file path=ppt/slides/slide16.xml><?xml version="1.0" encoding="utf-8"?>
+<file path=ppt/slides/slide19.xml><?xml version="1.0" encoding="utf-8"?>
 <p:sld xmlns:a="http://schemas.openxmlformats.org/drawingml/2006/main" xmlns:r="http://schemas.openxmlformats.org/officeDocument/2006/relationships" xmlns:p="http://schemas.openxmlformats.org/presentationml/2006/main">
   <p:cSld>
     <p:spTree>
@@ -4197,96 +4366,6 @@
     <p:extLst>
       <p:ext uri="{BB962C8B-B14F-4D97-AF65-F5344CB8AC3E}">
         <p14:creationId xmlns:p14="http://schemas.microsoft.com/office/powerpoint/2010/main" val="508447112"/>
-      </p:ext>
-    </p:extLst>
-  </p:cSld>
-  <p:clrMapOvr>
-    <a:masterClrMapping/>
-  </p:clrMapOvr>
-</p:sld>
-</file>
-
-<file path=ppt/slides/slide17.xml><?xml version="1.0" encoding="utf-8"?>
-<p:sld xmlns:a="http://schemas.openxmlformats.org/drawingml/2006/main" xmlns:r="http://schemas.openxmlformats.org/officeDocument/2006/relationships" xmlns:p="http://schemas.openxmlformats.org/presentationml/2006/main">
-  <p:cSld>
-    <p:spTree>
-      <p:nvGrpSpPr>
-        <p:cNvPr id="1" name=""/>
-        <p:cNvGrpSpPr/>
-        <p:nvPr/>
-      </p:nvGrpSpPr>
-      <p:grpSpPr>
-        <a:xfrm>
-          <a:off x="0" y="0"/>
-          <a:ext cx="0" cy="0"/>
-          <a:chOff x="0" y="0"/>
-          <a:chExt cx="0" cy="0"/>
-        </a:xfrm>
-      </p:grpSpPr>
-    </p:spTree>
-    <p:extLst>
-      <p:ext uri="{BB962C8B-B14F-4D97-AF65-F5344CB8AC3E}">
-        <p14:creationId xmlns:p14="http://schemas.microsoft.com/office/powerpoint/2010/main" val="23129386"/>
-      </p:ext>
-    </p:extLst>
-  </p:cSld>
-  <p:clrMapOvr>
-    <a:masterClrMapping/>
-  </p:clrMapOvr>
-</p:sld>
-</file>
-
-<file path=ppt/slides/slide18.xml><?xml version="1.0" encoding="utf-8"?>
-<p:sld xmlns:a="http://schemas.openxmlformats.org/drawingml/2006/main" xmlns:r="http://schemas.openxmlformats.org/officeDocument/2006/relationships" xmlns:p="http://schemas.openxmlformats.org/presentationml/2006/main">
-  <p:cSld>
-    <p:spTree>
-      <p:nvGrpSpPr>
-        <p:cNvPr id="1" name=""/>
-        <p:cNvGrpSpPr/>
-        <p:nvPr/>
-      </p:nvGrpSpPr>
-      <p:grpSpPr>
-        <a:xfrm>
-          <a:off x="0" y="0"/>
-          <a:ext cx="0" cy="0"/>
-          <a:chOff x="0" y="0"/>
-          <a:chExt cx="0" cy="0"/>
-        </a:xfrm>
-      </p:grpSpPr>
-    </p:spTree>
-    <p:extLst>
-      <p:ext uri="{BB962C8B-B14F-4D97-AF65-F5344CB8AC3E}">
-        <p14:creationId xmlns:p14="http://schemas.microsoft.com/office/powerpoint/2010/main" val="2818179158"/>
-      </p:ext>
-    </p:extLst>
-  </p:cSld>
-  <p:clrMapOvr>
-    <a:masterClrMapping/>
-  </p:clrMapOvr>
-</p:sld>
-</file>
-
-<file path=ppt/slides/slide19.xml><?xml version="1.0" encoding="utf-8"?>
-<p:sld xmlns:a="http://schemas.openxmlformats.org/drawingml/2006/main" xmlns:r="http://schemas.openxmlformats.org/officeDocument/2006/relationships" xmlns:p="http://schemas.openxmlformats.org/presentationml/2006/main">
-  <p:cSld>
-    <p:spTree>
-      <p:nvGrpSpPr>
-        <p:cNvPr id="1" name=""/>
-        <p:cNvGrpSpPr/>
-        <p:nvPr/>
-      </p:nvGrpSpPr>
-      <p:grpSpPr>
-        <a:xfrm>
-          <a:off x="0" y="0"/>
-          <a:ext cx="0" cy="0"/>
-          <a:chOff x="0" y="0"/>
-          <a:chExt cx="0" cy="0"/>
-        </a:xfrm>
-      </p:grpSpPr>
-    </p:spTree>
-    <p:extLst>
-      <p:ext uri="{BB962C8B-B14F-4D97-AF65-F5344CB8AC3E}">
-        <p14:creationId xmlns:p14="http://schemas.microsoft.com/office/powerpoint/2010/main" val="3508274509"/>
       </p:ext>
     </p:extLst>
   </p:cSld>
@@ -4456,7 +4535,7 @@
     </p:spTree>
     <p:extLst>
       <p:ext uri="{BB962C8B-B14F-4D97-AF65-F5344CB8AC3E}">
-        <p14:creationId xmlns:p14="http://schemas.microsoft.com/office/powerpoint/2010/main" val="4035385978"/>
+        <p14:creationId xmlns:p14="http://schemas.microsoft.com/office/powerpoint/2010/main" val="23129386"/>
       </p:ext>
     </p:extLst>
   </p:cSld>
@@ -4486,7 +4565,7 @@
     </p:spTree>
     <p:extLst>
       <p:ext uri="{BB962C8B-B14F-4D97-AF65-F5344CB8AC3E}">
-        <p14:creationId xmlns:p14="http://schemas.microsoft.com/office/powerpoint/2010/main" val="3893858116"/>
+        <p14:creationId xmlns:p14="http://schemas.microsoft.com/office/powerpoint/2010/main" val="2818179158"/>
       </p:ext>
     </p:extLst>
   </p:cSld>
@@ -4516,7 +4595,7 @@
     </p:spTree>
     <p:extLst>
       <p:ext uri="{BB962C8B-B14F-4D97-AF65-F5344CB8AC3E}">
-        <p14:creationId xmlns:p14="http://schemas.microsoft.com/office/powerpoint/2010/main" val="3848682754"/>
+        <p14:creationId xmlns:p14="http://schemas.microsoft.com/office/powerpoint/2010/main" val="3508274509"/>
       </p:ext>
     </p:extLst>
   </p:cSld>
@@ -4546,7 +4625,7 @@
     </p:spTree>
     <p:extLst>
       <p:ext uri="{BB962C8B-B14F-4D97-AF65-F5344CB8AC3E}">
-        <p14:creationId xmlns:p14="http://schemas.microsoft.com/office/powerpoint/2010/main" val="1062599787"/>
+        <p14:creationId xmlns:p14="http://schemas.microsoft.com/office/powerpoint/2010/main" val="4035385978"/>
       </p:ext>
     </p:extLst>
   </p:cSld>
@@ -4576,7 +4655,7 @@
     </p:spTree>
     <p:extLst>
       <p:ext uri="{BB962C8B-B14F-4D97-AF65-F5344CB8AC3E}">
-        <p14:creationId xmlns:p14="http://schemas.microsoft.com/office/powerpoint/2010/main" val="13196361"/>
+        <p14:creationId xmlns:p14="http://schemas.microsoft.com/office/powerpoint/2010/main" val="3893858116"/>
       </p:ext>
     </p:extLst>
   </p:cSld>
@@ -4606,7 +4685,7 @@
     </p:spTree>
     <p:extLst>
       <p:ext uri="{BB962C8B-B14F-4D97-AF65-F5344CB8AC3E}">
-        <p14:creationId xmlns:p14="http://schemas.microsoft.com/office/powerpoint/2010/main" val="3286292442"/>
+        <p14:creationId xmlns:p14="http://schemas.microsoft.com/office/powerpoint/2010/main" val="3848682754"/>
       </p:ext>
     </p:extLst>
   </p:cSld>
@@ -4636,7 +4715,7 @@
     </p:spTree>
     <p:extLst>
       <p:ext uri="{BB962C8B-B14F-4D97-AF65-F5344CB8AC3E}">
-        <p14:creationId xmlns:p14="http://schemas.microsoft.com/office/powerpoint/2010/main" val="1776561253"/>
+        <p14:creationId xmlns:p14="http://schemas.microsoft.com/office/powerpoint/2010/main" val="1062599787"/>
       </p:ext>
     </p:extLst>
   </p:cSld>
@@ -4666,7 +4745,7 @@
     </p:spTree>
     <p:extLst>
       <p:ext uri="{BB962C8B-B14F-4D97-AF65-F5344CB8AC3E}">
-        <p14:creationId xmlns:p14="http://schemas.microsoft.com/office/powerpoint/2010/main" val="2038358129"/>
+        <p14:creationId xmlns:p14="http://schemas.microsoft.com/office/powerpoint/2010/main" val="13196361"/>
       </p:ext>
     </p:extLst>
   </p:cSld>
@@ -4696,7 +4775,7 @@
     </p:spTree>
     <p:extLst>
       <p:ext uri="{BB962C8B-B14F-4D97-AF65-F5344CB8AC3E}">
-        <p14:creationId xmlns:p14="http://schemas.microsoft.com/office/powerpoint/2010/main" val="2316367256"/>
+        <p14:creationId xmlns:p14="http://schemas.microsoft.com/office/powerpoint/2010/main" val="3286292442"/>
       </p:ext>
     </p:extLst>
   </p:cSld>
@@ -4726,7 +4805,7 @@
     </p:spTree>
     <p:extLst>
       <p:ext uri="{BB962C8B-B14F-4D97-AF65-F5344CB8AC3E}">
-        <p14:creationId xmlns:p14="http://schemas.microsoft.com/office/powerpoint/2010/main" val="3670328559"/>
+        <p14:creationId xmlns:p14="http://schemas.microsoft.com/office/powerpoint/2010/main" val="1776561253"/>
       </p:ext>
     </p:extLst>
   </p:cSld>
@@ -4816,7 +4895,7 @@
     </p:spTree>
     <p:extLst>
       <p:ext uri="{BB962C8B-B14F-4D97-AF65-F5344CB8AC3E}">
-        <p14:creationId xmlns:p14="http://schemas.microsoft.com/office/powerpoint/2010/main" val="3436961718"/>
+        <p14:creationId xmlns:p14="http://schemas.microsoft.com/office/powerpoint/2010/main" val="2038358129"/>
       </p:ext>
     </p:extLst>
   </p:cSld>
@@ -4846,7 +4925,7 @@
     </p:spTree>
     <p:extLst>
       <p:ext uri="{BB962C8B-B14F-4D97-AF65-F5344CB8AC3E}">
-        <p14:creationId xmlns:p14="http://schemas.microsoft.com/office/powerpoint/2010/main" val="1660835554"/>
+        <p14:creationId xmlns:p14="http://schemas.microsoft.com/office/powerpoint/2010/main" val="2316367256"/>
       </p:ext>
     </p:extLst>
   </p:cSld>
@@ -4876,7 +4955,7 @@
     </p:spTree>
     <p:extLst>
       <p:ext uri="{BB962C8B-B14F-4D97-AF65-F5344CB8AC3E}">
-        <p14:creationId xmlns:p14="http://schemas.microsoft.com/office/powerpoint/2010/main" val="2432472152"/>
+        <p14:creationId xmlns:p14="http://schemas.microsoft.com/office/powerpoint/2010/main" val="3670328559"/>
       </p:ext>
     </p:extLst>
   </p:cSld>
@@ -4906,7 +4985,7 @@
     </p:spTree>
     <p:extLst>
       <p:ext uri="{BB962C8B-B14F-4D97-AF65-F5344CB8AC3E}">
-        <p14:creationId xmlns:p14="http://schemas.microsoft.com/office/powerpoint/2010/main" val="149605799"/>
+        <p14:creationId xmlns:p14="http://schemas.microsoft.com/office/powerpoint/2010/main" val="3436961718"/>
       </p:ext>
     </p:extLst>
   </p:cSld>
@@ -4936,7 +5015,7 @@
     </p:spTree>
     <p:extLst>
       <p:ext uri="{BB962C8B-B14F-4D97-AF65-F5344CB8AC3E}">
-        <p14:creationId xmlns:p14="http://schemas.microsoft.com/office/powerpoint/2010/main" val="3516892779"/>
+        <p14:creationId xmlns:p14="http://schemas.microsoft.com/office/powerpoint/2010/main" val="1660835554"/>
       </p:ext>
     </p:extLst>
   </p:cSld>
@@ -4966,6 +5045,96 @@
     </p:spTree>
     <p:extLst>
       <p:ext uri="{BB962C8B-B14F-4D97-AF65-F5344CB8AC3E}">
+        <p14:creationId xmlns:p14="http://schemas.microsoft.com/office/powerpoint/2010/main" val="2432472152"/>
+      </p:ext>
+    </p:extLst>
+  </p:cSld>
+  <p:clrMapOvr>
+    <a:masterClrMapping/>
+  </p:clrMapOvr>
+</p:sld>
+</file>
+
+<file path=ppt/slides/slide36.xml><?xml version="1.0" encoding="utf-8"?>
+<p:sld xmlns:a="http://schemas.openxmlformats.org/drawingml/2006/main" xmlns:r="http://schemas.openxmlformats.org/officeDocument/2006/relationships" xmlns:p="http://schemas.openxmlformats.org/presentationml/2006/main">
+  <p:cSld>
+    <p:spTree>
+      <p:nvGrpSpPr>
+        <p:cNvPr id="1" name=""/>
+        <p:cNvGrpSpPr/>
+        <p:nvPr/>
+      </p:nvGrpSpPr>
+      <p:grpSpPr>
+        <a:xfrm>
+          <a:off x="0" y="0"/>
+          <a:ext cx="0" cy="0"/>
+          <a:chOff x="0" y="0"/>
+          <a:chExt cx="0" cy="0"/>
+        </a:xfrm>
+      </p:grpSpPr>
+    </p:spTree>
+    <p:extLst>
+      <p:ext uri="{BB962C8B-B14F-4D97-AF65-F5344CB8AC3E}">
+        <p14:creationId xmlns:p14="http://schemas.microsoft.com/office/powerpoint/2010/main" val="149605799"/>
+      </p:ext>
+    </p:extLst>
+  </p:cSld>
+  <p:clrMapOvr>
+    <a:masterClrMapping/>
+  </p:clrMapOvr>
+</p:sld>
+</file>
+
+<file path=ppt/slides/slide37.xml><?xml version="1.0" encoding="utf-8"?>
+<p:sld xmlns:a="http://schemas.openxmlformats.org/drawingml/2006/main" xmlns:r="http://schemas.openxmlformats.org/officeDocument/2006/relationships" xmlns:p="http://schemas.openxmlformats.org/presentationml/2006/main">
+  <p:cSld>
+    <p:spTree>
+      <p:nvGrpSpPr>
+        <p:cNvPr id="1" name=""/>
+        <p:cNvGrpSpPr/>
+        <p:nvPr/>
+      </p:nvGrpSpPr>
+      <p:grpSpPr>
+        <a:xfrm>
+          <a:off x="0" y="0"/>
+          <a:ext cx="0" cy="0"/>
+          <a:chOff x="0" y="0"/>
+          <a:chExt cx="0" cy="0"/>
+        </a:xfrm>
+      </p:grpSpPr>
+    </p:spTree>
+    <p:extLst>
+      <p:ext uri="{BB962C8B-B14F-4D97-AF65-F5344CB8AC3E}">
+        <p14:creationId xmlns:p14="http://schemas.microsoft.com/office/powerpoint/2010/main" val="3516892779"/>
+      </p:ext>
+    </p:extLst>
+  </p:cSld>
+  <p:clrMapOvr>
+    <a:masterClrMapping/>
+  </p:clrMapOvr>
+</p:sld>
+</file>
+
+<file path=ppt/slides/slide38.xml><?xml version="1.0" encoding="utf-8"?>
+<p:sld xmlns:a="http://schemas.openxmlformats.org/drawingml/2006/main" xmlns:r="http://schemas.openxmlformats.org/officeDocument/2006/relationships" xmlns:p="http://schemas.openxmlformats.org/presentationml/2006/main">
+  <p:cSld>
+    <p:spTree>
+      <p:nvGrpSpPr>
+        <p:cNvPr id="1" name=""/>
+        <p:cNvGrpSpPr/>
+        <p:nvPr/>
+      </p:nvGrpSpPr>
+      <p:grpSpPr>
+        <a:xfrm>
+          <a:off x="0" y="0"/>
+          <a:ext cx="0" cy="0"/>
+          <a:chOff x="0" y="0"/>
+          <a:chExt cx="0" cy="0"/>
+        </a:xfrm>
+      </p:grpSpPr>
+    </p:spTree>
+    <p:extLst>
+      <p:ext uri="{BB962C8B-B14F-4D97-AF65-F5344CB8AC3E}">
         <p14:creationId xmlns:p14="http://schemas.microsoft.com/office/powerpoint/2010/main" val="3897714553"/>
       </p:ext>
     </p:extLst>
@@ -4976,7 +5145,7 @@
 </p:sld>
 </file>
 
-<file path=ppt/slides/slide36.xml><?xml version="1.0" encoding="utf-8"?>
+<file path=ppt/slides/slide39.xml><?xml version="1.0" encoding="utf-8"?>
 <p:sld xmlns:a="http://schemas.openxmlformats.org/drawingml/2006/main" xmlns:r="http://schemas.openxmlformats.org/officeDocument/2006/relationships" xmlns:p="http://schemas.openxmlformats.org/presentationml/2006/main">
   <p:cSld>
     <p:spTree>
@@ -5085,6 +5254,204 @@
       </p:grpSpPr>
       <p:pic>
         <p:nvPicPr>
+          <p:cNvPr id="3" name="Picture 2" descr="A screenshot of a cell phone&#10;&#10;Description automatically generated">
+            <a:extLst>
+              <a:ext uri="{FF2B5EF4-FFF2-40B4-BE49-F238E27FC236}">
+                <a16:creationId xmlns:a16="http://schemas.microsoft.com/office/drawing/2014/main" id="{A670BC48-1706-44AD-95F0-5C93F84CC4C0}"/>
+              </a:ext>
+            </a:extLst>
+          </p:cNvPr>
+          <p:cNvPicPr>
+            <a:picLocks noChangeAspect="1"/>
+          </p:cNvPicPr>
+          <p:nvPr/>
+        </p:nvPicPr>
+        <p:blipFill>
+          <a:blip r:embed="rId2">
+            <a:extLst>
+              <a:ext uri="{28A0092B-C50C-407E-A947-70E740481C1C}">
+                <a14:useLocalDpi xmlns:a14="http://schemas.microsoft.com/office/drawing/2010/main" val="0"/>
+              </a:ext>
+            </a:extLst>
+          </a:blip>
+          <a:stretch>
+            <a:fillRect/>
+          </a:stretch>
+        </p:blipFill>
+        <p:spPr>
+          <a:xfrm>
+            <a:off x="733425" y="595312"/>
+            <a:ext cx="10725150" cy="5667375"/>
+          </a:xfrm>
+          <a:prstGeom prst="rect">
+            <a:avLst/>
+          </a:prstGeom>
+        </p:spPr>
+      </p:pic>
+    </p:spTree>
+    <p:extLst>
+      <p:ext uri="{BB962C8B-B14F-4D97-AF65-F5344CB8AC3E}">
+        <p14:creationId xmlns:p14="http://schemas.microsoft.com/office/powerpoint/2010/main" val="334439243"/>
+      </p:ext>
+    </p:extLst>
+  </p:cSld>
+  <p:clrMapOvr>
+    <a:masterClrMapping/>
+  </p:clrMapOvr>
+</p:sld>
+</file>
+
+<file path=ppt/slides/slide6.xml><?xml version="1.0" encoding="utf-8"?>
+<p:sld xmlns:a="http://schemas.openxmlformats.org/drawingml/2006/main" xmlns:r="http://schemas.openxmlformats.org/officeDocument/2006/relationships" xmlns:p="http://schemas.openxmlformats.org/presentationml/2006/main">
+  <p:cSld>
+    <p:spTree>
+      <p:nvGrpSpPr>
+        <p:cNvPr id="1" name=""/>
+        <p:cNvGrpSpPr/>
+        <p:nvPr/>
+      </p:nvGrpSpPr>
+      <p:grpSpPr>
+        <a:xfrm>
+          <a:off x="0" y="0"/>
+          <a:ext cx="0" cy="0"/>
+          <a:chOff x="0" y="0"/>
+          <a:chExt cx="0" cy="0"/>
+        </a:xfrm>
+      </p:grpSpPr>
+      <p:pic>
+        <p:nvPicPr>
+          <p:cNvPr id="3" name="Picture 2" descr="A screenshot of a computer&#10;&#10;Description automatically generated">
+            <a:extLst>
+              <a:ext uri="{FF2B5EF4-FFF2-40B4-BE49-F238E27FC236}">
+                <a16:creationId xmlns:a16="http://schemas.microsoft.com/office/drawing/2014/main" id="{0210617D-F819-4245-8DFE-B9CDDB4D49B8}"/>
+              </a:ext>
+            </a:extLst>
+          </p:cNvPr>
+          <p:cNvPicPr>
+            <a:picLocks noChangeAspect="1"/>
+          </p:cNvPicPr>
+          <p:nvPr/>
+        </p:nvPicPr>
+        <p:blipFill>
+          <a:blip r:embed="rId2">
+            <a:extLst>
+              <a:ext uri="{28A0092B-C50C-407E-A947-70E740481C1C}">
+                <a14:useLocalDpi xmlns:a14="http://schemas.microsoft.com/office/drawing/2010/main" val="0"/>
+              </a:ext>
+            </a:extLst>
+          </a:blip>
+          <a:stretch>
+            <a:fillRect/>
+          </a:stretch>
+        </p:blipFill>
+        <p:spPr>
+          <a:xfrm>
+            <a:off x="0" y="1144993"/>
+            <a:ext cx="12192000" cy="4568013"/>
+          </a:xfrm>
+          <a:prstGeom prst="rect">
+            <a:avLst/>
+          </a:prstGeom>
+        </p:spPr>
+      </p:pic>
+    </p:spTree>
+    <p:extLst>
+      <p:ext uri="{BB962C8B-B14F-4D97-AF65-F5344CB8AC3E}">
+        <p14:creationId xmlns:p14="http://schemas.microsoft.com/office/powerpoint/2010/main" val="3002854325"/>
+      </p:ext>
+    </p:extLst>
+  </p:cSld>
+  <p:clrMapOvr>
+    <a:masterClrMapping/>
+  </p:clrMapOvr>
+</p:sld>
+</file>
+
+<file path=ppt/slides/slide7.xml><?xml version="1.0" encoding="utf-8"?>
+<p:sld xmlns:a="http://schemas.openxmlformats.org/drawingml/2006/main" xmlns:r="http://schemas.openxmlformats.org/officeDocument/2006/relationships" xmlns:p="http://schemas.openxmlformats.org/presentationml/2006/main">
+  <p:cSld>
+    <p:spTree>
+      <p:nvGrpSpPr>
+        <p:cNvPr id="1" name=""/>
+        <p:cNvGrpSpPr/>
+        <p:nvPr/>
+      </p:nvGrpSpPr>
+      <p:grpSpPr>
+        <a:xfrm>
+          <a:off x="0" y="0"/>
+          <a:ext cx="0" cy="0"/>
+          <a:chOff x="0" y="0"/>
+          <a:chExt cx="0" cy="0"/>
+        </a:xfrm>
+      </p:grpSpPr>
+      <p:pic>
+        <p:nvPicPr>
+          <p:cNvPr id="3" name="Picture 2" descr="A screenshot of a computer screen&#10;&#10;Description automatically generated">
+            <a:extLst>
+              <a:ext uri="{FF2B5EF4-FFF2-40B4-BE49-F238E27FC236}">
+                <a16:creationId xmlns:a16="http://schemas.microsoft.com/office/drawing/2014/main" id="{E148122D-61B8-47BA-8B0F-297293D1710B}"/>
+              </a:ext>
+            </a:extLst>
+          </p:cNvPr>
+          <p:cNvPicPr>
+            <a:picLocks noChangeAspect="1"/>
+          </p:cNvPicPr>
+          <p:nvPr/>
+        </p:nvPicPr>
+        <p:blipFill>
+          <a:blip r:embed="rId2">
+            <a:extLst>
+              <a:ext uri="{28A0092B-C50C-407E-A947-70E740481C1C}">
+                <a14:useLocalDpi xmlns:a14="http://schemas.microsoft.com/office/drawing/2010/main" val="0"/>
+              </a:ext>
+            </a:extLst>
+          </a:blip>
+          <a:stretch>
+            <a:fillRect/>
+          </a:stretch>
+        </p:blipFill>
+        <p:spPr>
+          <a:xfrm>
+            <a:off x="0" y="254492"/>
+            <a:ext cx="12192000" cy="6349016"/>
+          </a:xfrm>
+          <a:prstGeom prst="rect">
+            <a:avLst/>
+          </a:prstGeom>
+        </p:spPr>
+      </p:pic>
+    </p:spTree>
+    <p:extLst>
+      <p:ext uri="{BB962C8B-B14F-4D97-AF65-F5344CB8AC3E}">
+        <p14:creationId xmlns:p14="http://schemas.microsoft.com/office/powerpoint/2010/main" val="3038565452"/>
+      </p:ext>
+    </p:extLst>
+  </p:cSld>
+  <p:clrMapOvr>
+    <a:masterClrMapping/>
+  </p:clrMapOvr>
+</p:sld>
+</file>
+
+<file path=ppt/slides/slide8.xml><?xml version="1.0" encoding="utf-8"?>
+<p:sld xmlns:a="http://schemas.openxmlformats.org/drawingml/2006/main" xmlns:r="http://schemas.openxmlformats.org/officeDocument/2006/relationships" xmlns:p="http://schemas.openxmlformats.org/presentationml/2006/main">
+  <p:cSld>
+    <p:spTree>
+      <p:nvGrpSpPr>
+        <p:cNvPr id="1" name=""/>
+        <p:cNvGrpSpPr/>
+        <p:nvPr/>
+      </p:nvGrpSpPr>
+      <p:grpSpPr>
+        <a:xfrm>
+          <a:off x="0" y="0"/>
+          <a:ext cx="0" cy="0"/>
+          <a:chOff x="0" y="0"/>
+          <a:chExt cx="0" cy="0"/>
+        </a:xfrm>
+      </p:grpSpPr>
+      <p:pic>
+        <p:nvPicPr>
           <p:cNvPr id="2" name="Picture 1">
             <a:extLst>
               <a:ext uri="{FF2B5EF4-FFF2-40B4-BE49-F238E27FC236}">
@@ -5126,7 +5493,7 @@
 </p:sld>
 </file>
 
-<file path=ppt/slides/slide6.xml><?xml version="1.0" encoding="utf-8"?>
+<file path=ppt/slides/slide9.xml><?xml version="1.0" encoding="utf-8"?>
 <p:sld xmlns:a="http://schemas.openxmlformats.org/drawingml/2006/main" xmlns:r="http://schemas.openxmlformats.org/officeDocument/2006/relationships" xmlns:p="http://schemas.openxmlformats.org/presentationml/2006/main">
   <p:cSld>
     <p:spTree>
@@ -5211,216 +5578,6 @@
     <p:extLst>
       <p:ext uri="{BB962C8B-B14F-4D97-AF65-F5344CB8AC3E}">
         <p14:creationId xmlns:p14="http://schemas.microsoft.com/office/powerpoint/2010/main" val="317730895"/>
-      </p:ext>
-    </p:extLst>
-  </p:cSld>
-  <p:clrMapOvr>
-    <a:masterClrMapping/>
-  </p:clrMapOvr>
-</p:sld>
-</file>
-
-<file path=ppt/slides/slide7.xml><?xml version="1.0" encoding="utf-8"?>
-<p:sld xmlns:a="http://schemas.openxmlformats.org/drawingml/2006/main" xmlns:r="http://schemas.openxmlformats.org/officeDocument/2006/relationships" xmlns:p="http://schemas.openxmlformats.org/presentationml/2006/main">
-  <p:cSld>
-    <p:spTree>
-      <p:nvGrpSpPr>
-        <p:cNvPr id="1" name=""/>
-        <p:cNvGrpSpPr/>
-        <p:nvPr/>
-      </p:nvGrpSpPr>
-      <p:grpSpPr>
-        <a:xfrm>
-          <a:off x="0" y="0"/>
-          <a:ext cx="0" cy="0"/>
-          <a:chOff x="0" y="0"/>
-          <a:chExt cx="0" cy="0"/>
-        </a:xfrm>
-      </p:grpSpPr>
-      <p:pic>
-        <p:nvPicPr>
-          <p:cNvPr id="2" name="Picture 1">
-            <a:extLst>
-              <a:ext uri="{FF2B5EF4-FFF2-40B4-BE49-F238E27FC236}">
-                <a16:creationId xmlns:a16="http://schemas.microsoft.com/office/drawing/2014/main" id="{60E0B80B-B1E2-4F71-A122-7F672AC0DC9D}"/>
-              </a:ext>
-            </a:extLst>
-          </p:cNvPr>
-          <p:cNvPicPr>
-            <a:picLocks noChangeAspect="1"/>
-          </p:cNvPicPr>
-          <p:nvPr/>
-        </p:nvPicPr>
-        <p:blipFill>
-          <a:blip r:embed="rId2"/>
-          <a:stretch>
-            <a:fillRect/>
-          </a:stretch>
-        </p:blipFill>
-        <p:spPr>
-          <a:xfrm>
-            <a:off x="-83975" y="0"/>
-            <a:ext cx="12192000" cy="6858000"/>
-          </a:xfrm>
-          <a:prstGeom prst="rect">
-            <a:avLst/>
-          </a:prstGeom>
-        </p:spPr>
-      </p:pic>
-    </p:spTree>
-    <p:extLst>
-      <p:ext uri="{BB962C8B-B14F-4D97-AF65-F5344CB8AC3E}">
-        <p14:creationId xmlns:p14="http://schemas.microsoft.com/office/powerpoint/2010/main" val="2971478882"/>
-      </p:ext>
-    </p:extLst>
-  </p:cSld>
-  <p:clrMapOvr>
-    <a:masterClrMapping/>
-  </p:clrMapOvr>
-</p:sld>
-</file>
-
-<file path=ppt/slides/slide8.xml><?xml version="1.0" encoding="utf-8"?>
-<p:sld xmlns:a="http://schemas.openxmlformats.org/drawingml/2006/main" xmlns:r="http://schemas.openxmlformats.org/officeDocument/2006/relationships" xmlns:p="http://schemas.openxmlformats.org/presentationml/2006/main">
-  <p:cSld>
-    <p:spTree>
-      <p:nvGrpSpPr>
-        <p:cNvPr id="1" name=""/>
-        <p:cNvGrpSpPr/>
-        <p:nvPr/>
-      </p:nvGrpSpPr>
-      <p:grpSpPr>
-        <a:xfrm>
-          <a:off x="0" y="0"/>
-          <a:ext cx="0" cy="0"/>
-          <a:chOff x="0" y="0"/>
-          <a:chExt cx="0" cy="0"/>
-        </a:xfrm>
-      </p:grpSpPr>
-      <p:pic>
-        <p:nvPicPr>
-          <p:cNvPr id="3" name="Picture 2">
-            <a:extLst>
-              <a:ext uri="{FF2B5EF4-FFF2-40B4-BE49-F238E27FC236}">
-                <a16:creationId xmlns:a16="http://schemas.microsoft.com/office/drawing/2014/main" id="{A736F0A5-3CC9-435E-85EF-FAE259112267}"/>
-              </a:ext>
-            </a:extLst>
-          </p:cNvPr>
-          <p:cNvPicPr>
-            <a:picLocks noChangeAspect="1"/>
-          </p:cNvPicPr>
-          <p:nvPr/>
-        </p:nvPicPr>
-        <p:blipFill>
-          <a:blip r:embed="rId2"/>
-          <a:stretch>
-            <a:fillRect/>
-          </a:stretch>
-        </p:blipFill>
-        <p:spPr>
-          <a:xfrm>
-            <a:off x="0" y="0"/>
-            <a:ext cx="4739951" cy="2666222"/>
-          </a:xfrm>
-          <a:prstGeom prst="rect">
-            <a:avLst/>
-          </a:prstGeom>
-        </p:spPr>
-      </p:pic>
-      <p:pic>
-        <p:nvPicPr>
-          <p:cNvPr id="4" name="Picture 3">
-            <a:extLst>
-              <a:ext uri="{FF2B5EF4-FFF2-40B4-BE49-F238E27FC236}">
-                <a16:creationId xmlns:a16="http://schemas.microsoft.com/office/drawing/2014/main" id="{A95EB85D-5427-46E2-B674-E2CE28383B62}"/>
-              </a:ext>
-            </a:extLst>
-          </p:cNvPr>
-          <p:cNvPicPr>
-            <a:picLocks noChangeAspect="1"/>
-          </p:cNvPicPr>
-          <p:nvPr/>
-        </p:nvPicPr>
-        <p:blipFill>
-          <a:blip r:embed="rId3"/>
-          <a:stretch>
-            <a:fillRect/>
-          </a:stretch>
-        </p:blipFill>
-        <p:spPr>
-          <a:xfrm>
-            <a:off x="2604276" y="1464906"/>
-            <a:ext cx="9587723" cy="5393094"/>
-          </a:xfrm>
-          <a:prstGeom prst="rect">
-            <a:avLst/>
-          </a:prstGeom>
-        </p:spPr>
-      </p:pic>
-    </p:spTree>
-    <p:extLst>
-      <p:ext uri="{BB962C8B-B14F-4D97-AF65-F5344CB8AC3E}">
-        <p14:creationId xmlns:p14="http://schemas.microsoft.com/office/powerpoint/2010/main" val="432301739"/>
-      </p:ext>
-    </p:extLst>
-  </p:cSld>
-  <p:clrMapOvr>
-    <a:masterClrMapping/>
-  </p:clrMapOvr>
-</p:sld>
-</file>
-
-<file path=ppt/slides/slide9.xml><?xml version="1.0" encoding="utf-8"?>
-<p:sld xmlns:a="http://schemas.openxmlformats.org/drawingml/2006/main" xmlns:r="http://schemas.openxmlformats.org/officeDocument/2006/relationships" xmlns:p="http://schemas.openxmlformats.org/presentationml/2006/main">
-  <p:cSld>
-    <p:spTree>
-      <p:nvGrpSpPr>
-        <p:cNvPr id="1" name=""/>
-        <p:cNvGrpSpPr/>
-        <p:nvPr/>
-      </p:nvGrpSpPr>
-      <p:grpSpPr>
-        <a:xfrm>
-          <a:off x="0" y="0"/>
-          <a:ext cx="0" cy="0"/>
-          <a:chOff x="0" y="0"/>
-          <a:chExt cx="0" cy="0"/>
-        </a:xfrm>
-      </p:grpSpPr>
-      <p:pic>
-        <p:nvPicPr>
-          <p:cNvPr id="3" name="Picture 2">
-            <a:extLst>
-              <a:ext uri="{FF2B5EF4-FFF2-40B4-BE49-F238E27FC236}">
-                <a16:creationId xmlns:a16="http://schemas.microsoft.com/office/drawing/2014/main" id="{D247C010-41B3-4BB6-962D-B4B805BC9A02}"/>
-              </a:ext>
-            </a:extLst>
-          </p:cNvPr>
-          <p:cNvPicPr>
-            <a:picLocks noChangeAspect="1"/>
-          </p:cNvPicPr>
-          <p:nvPr/>
-        </p:nvPicPr>
-        <p:blipFill>
-          <a:blip r:embed="rId2"/>
-          <a:stretch>
-            <a:fillRect/>
-          </a:stretch>
-        </p:blipFill>
-        <p:spPr>
-          <a:xfrm>
-            <a:off x="0" y="0"/>
-            <a:ext cx="12192000" cy="6858000"/>
-          </a:xfrm>
-          <a:prstGeom prst="rect">
-            <a:avLst/>
-          </a:prstGeom>
-        </p:spPr>
-      </p:pic>
-    </p:spTree>
-    <p:extLst>
-      <p:ext uri="{BB962C8B-B14F-4D97-AF65-F5344CB8AC3E}">
-        <p14:creationId xmlns:p14="http://schemas.microsoft.com/office/powerpoint/2010/main" val="196927005"/>
       </p:ext>
     </p:extLst>
   </p:cSld>

--- a/UnusedCode/Navigations.pptx
+++ b/UnusedCode/Navigations.pptx
@@ -29,8 +29,8 @@
     <p:sldId id="265" r:id="rId20"/>
     <p:sldId id="266" r:id="rId21"/>
     <p:sldId id="267" r:id="rId22"/>
-    <p:sldId id="268" r:id="rId23"/>
-    <p:sldId id="269" r:id="rId24"/>
+    <p:sldId id="269" r:id="rId23"/>
+    <p:sldId id="268" r:id="rId24"/>
     <p:sldId id="270" r:id="rId25"/>
     <p:sldId id="271" r:id="rId26"/>
     <p:sldId id="272" r:id="rId27"/>
@@ -247,7 +247,7 @@
           <a:p>
             <a:fld id="{4F37D509-77D7-4EF8-B5FF-AD9AEBA95AC3}" type="datetimeFigureOut">
               <a:rPr lang="en-US" smtClean="0"/>
-              <a:t>6/28/2020</a:t>
+              <a:t>7/5/2020</a:t>
             </a:fld>
             <a:endParaRPr lang="en-US"/>
           </a:p>
@@ -661,7 +661,7 @@
           <a:p>
             <a:fld id="{C2DD3947-2FEF-415F-868A-764606BFC9C1}" type="datetimeFigureOut">
               <a:rPr lang="en-US" smtClean="0"/>
-              <a:t>6/28/2020</a:t>
+              <a:t>7/5/2020</a:t>
             </a:fld>
             <a:endParaRPr lang="en-US"/>
           </a:p>
@@ -859,7 +859,7 @@
           <a:p>
             <a:fld id="{C2DD3947-2FEF-415F-868A-764606BFC9C1}" type="datetimeFigureOut">
               <a:rPr lang="en-US" smtClean="0"/>
-              <a:t>6/28/2020</a:t>
+              <a:t>7/5/2020</a:t>
             </a:fld>
             <a:endParaRPr lang="en-US"/>
           </a:p>
@@ -1067,7 +1067,7 @@
           <a:p>
             <a:fld id="{C2DD3947-2FEF-415F-868A-764606BFC9C1}" type="datetimeFigureOut">
               <a:rPr lang="en-US" smtClean="0"/>
-              <a:t>6/28/2020</a:t>
+              <a:t>7/5/2020</a:t>
             </a:fld>
             <a:endParaRPr lang="en-US"/>
           </a:p>
@@ -1265,7 +1265,7 @@
           <a:p>
             <a:fld id="{C2DD3947-2FEF-415F-868A-764606BFC9C1}" type="datetimeFigureOut">
               <a:rPr lang="en-US" smtClean="0"/>
-              <a:t>6/28/2020</a:t>
+              <a:t>7/5/2020</a:t>
             </a:fld>
             <a:endParaRPr lang="en-US"/>
           </a:p>
@@ -1540,7 +1540,7 @@
           <a:p>
             <a:fld id="{C2DD3947-2FEF-415F-868A-764606BFC9C1}" type="datetimeFigureOut">
               <a:rPr lang="en-US" smtClean="0"/>
-              <a:t>6/28/2020</a:t>
+              <a:t>7/5/2020</a:t>
             </a:fld>
             <a:endParaRPr lang="en-US"/>
           </a:p>
@@ -1805,7 +1805,7 @@
           <a:p>
             <a:fld id="{C2DD3947-2FEF-415F-868A-764606BFC9C1}" type="datetimeFigureOut">
               <a:rPr lang="en-US" smtClean="0"/>
-              <a:t>6/28/2020</a:t>
+              <a:t>7/5/2020</a:t>
             </a:fld>
             <a:endParaRPr lang="en-US"/>
           </a:p>
@@ -2217,7 +2217,7 @@
           <a:p>
             <a:fld id="{C2DD3947-2FEF-415F-868A-764606BFC9C1}" type="datetimeFigureOut">
               <a:rPr lang="en-US" smtClean="0"/>
-              <a:t>6/28/2020</a:t>
+              <a:t>7/5/2020</a:t>
             </a:fld>
             <a:endParaRPr lang="en-US"/>
           </a:p>
@@ -2358,7 +2358,7 @@
           <a:p>
             <a:fld id="{C2DD3947-2FEF-415F-868A-764606BFC9C1}" type="datetimeFigureOut">
               <a:rPr lang="en-US" smtClean="0"/>
-              <a:t>6/28/2020</a:t>
+              <a:t>7/5/2020</a:t>
             </a:fld>
             <a:endParaRPr lang="en-US"/>
           </a:p>
@@ -2471,7 +2471,7 @@
           <a:p>
             <a:fld id="{C2DD3947-2FEF-415F-868A-764606BFC9C1}" type="datetimeFigureOut">
               <a:rPr lang="en-US" smtClean="0"/>
-              <a:t>6/28/2020</a:t>
+              <a:t>7/5/2020</a:t>
             </a:fld>
             <a:endParaRPr lang="en-US"/>
           </a:p>
@@ -2782,7 +2782,7 @@
           <a:p>
             <a:fld id="{C2DD3947-2FEF-415F-868A-764606BFC9C1}" type="datetimeFigureOut">
               <a:rPr lang="en-US" smtClean="0"/>
-              <a:t>6/28/2020</a:t>
+              <a:t>7/5/2020</a:t>
             </a:fld>
             <a:endParaRPr lang="en-US"/>
           </a:p>
@@ -3070,7 +3070,7 @@
           <a:p>
             <a:fld id="{C2DD3947-2FEF-415F-868A-764606BFC9C1}" type="datetimeFigureOut">
               <a:rPr lang="en-US" smtClean="0"/>
-              <a:t>6/28/2020</a:t>
+              <a:t>7/5/2020</a:t>
             </a:fld>
             <a:endParaRPr lang="en-US"/>
           </a:p>
@@ -3311,7 +3311,7 @@
           <a:p>
             <a:fld id="{C2DD3947-2FEF-415F-868A-764606BFC9C1}" type="datetimeFigureOut">
               <a:rPr lang="en-US" smtClean="0"/>
-              <a:t>6/28/2020</a:t>
+              <a:t>7/5/2020</a:t>
             </a:fld>
             <a:endParaRPr lang="en-US"/>
           </a:p>
@@ -4228,6 +4228,14 @@
 <file path=ppt/slides/slide15.xml><?xml version="1.0" encoding="utf-8"?>
 <p:sld xmlns:a="http://schemas.openxmlformats.org/drawingml/2006/main" xmlns:r="http://schemas.openxmlformats.org/officeDocument/2006/relationships" xmlns:p="http://schemas.openxmlformats.org/presentationml/2006/main">
   <p:cSld>
+    <p:bg>
+      <p:bgPr>
+        <a:solidFill>
+          <a:schemeClr val="tx1"/>
+        </a:solidFill>
+        <a:effectLst/>
+      </p:bgPr>
+    </p:bg>
     <p:spTree>
       <p:nvGrpSpPr>
         <p:cNvPr id="1" name=""/>
@@ -4242,6 +4250,45 @@
           <a:chExt cx="0" cy="0"/>
         </a:xfrm>
       </p:grpSpPr>
+      <p:sp>
+        <p:nvSpPr>
+          <p:cNvPr id="2" name="TextBox 1">
+            <a:extLst>
+              <a:ext uri="{FF2B5EF4-FFF2-40B4-BE49-F238E27FC236}">
+                <a16:creationId xmlns:a16="http://schemas.microsoft.com/office/drawing/2014/main" id="{CF5EDA6B-4D76-451C-B0E4-8C1015AD3AB3}"/>
+              </a:ext>
+            </a:extLst>
+          </p:cNvPr>
+          <p:cNvSpPr txBox="1"/>
+          <p:nvPr/>
+        </p:nvSpPr>
+        <p:spPr>
+          <a:xfrm>
+            <a:off x="3591339" y="2093844"/>
+            <a:ext cx="4420377" cy="1631216"/>
+          </a:xfrm>
+          <a:prstGeom prst="rect">
+            <a:avLst/>
+          </a:prstGeom>
+          <a:noFill/>
+        </p:spPr>
+        <p:txBody>
+          <a:bodyPr wrap="none" rtlCol="0">
+            <a:spAutoFit/>
+          </a:bodyPr>
+          <a:lstStyle/>
+          <a:p>
+            <a:r>
+              <a:rPr lang="en-US" sz="10000" dirty="0">
+                <a:solidFill>
+                  <a:schemeClr val="bg1"/>
+                </a:solidFill>
+              </a:rPr>
+              <a:t>changes</a:t>
+            </a:r>
+          </a:p>
+        </p:txBody>
+      </p:sp>
     </p:spTree>
     <p:extLst>
       <p:ext uri="{BB962C8B-B14F-4D97-AF65-F5344CB8AC3E}">
@@ -4272,6 +4319,71 @@
           <a:chExt cx="0" cy="0"/>
         </a:xfrm>
       </p:grpSpPr>
+      <p:pic>
+        <p:nvPicPr>
+          <p:cNvPr id="2" name="Picture 1">
+            <a:extLst>
+              <a:ext uri="{FF2B5EF4-FFF2-40B4-BE49-F238E27FC236}">
+                <a16:creationId xmlns:a16="http://schemas.microsoft.com/office/drawing/2014/main" id="{436941B9-B8E7-4E10-AF99-A9D4A9CF8314}"/>
+              </a:ext>
+            </a:extLst>
+          </p:cNvPr>
+          <p:cNvPicPr>
+            <a:picLocks noChangeAspect="1"/>
+          </p:cNvPicPr>
+          <p:nvPr/>
+        </p:nvPicPr>
+        <p:blipFill>
+          <a:blip r:embed="rId2"/>
+          <a:stretch>
+            <a:fillRect/>
+          </a:stretch>
+        </p:blipFill>
+        <p:spPr>
+          <a:xfrm>
+            <a:off x="0" y="127000"/>
+            <a:ext cx="12192000" cy="6604000"/>
+          </a:xfrm>
+          <a:prstGeom prst="rect">
+            <a:avLst/>
+          </a:prstGeom>
+        </p:spPr>
+      </p:pic>
+      <p:sp>
+        <p:nvSpPr>
+          <p:cNvPr id="3" name="TextBox 2">
+            <a:extLst>
+              <a:ext uri="{FF2B5EF4-FFF2-40B4-BE49-F238E27FC236}">
+                <a16:creationId xmlns:a16="http://schemas.microsoft.com/office/drawing/2014/main" id="{8ACB10BC-8D6F-4BDF-B44E-01AB4E33847C}"/>
+              </a:ext>
+            </a:extLst>
+          </p:cNvPr>
+          <p:cNvSpPr txBox="1"/>
+          <p:nvPr/>
+        </p:nvSpPr>
+        <p:spPr>
+          <a:xfrm>
+            <a:off x="397565" y="5658678"/>
+            <a:ext cx="6353342" cy="369332"/>
+          </a:xfrm>
+          <a:prstGeom prst="rect">
+            <a:avLst/>
+          </a:prstGeom>
+          <a:noFill/>
+        </p:spPr>
+        <p:txBody>
+          <a:bodyPr wrap="none" rtlCol="0">
+            <a:spAutoFit/>
+          </a:bodyPr>
+          <a:lstStyle/>
+          <a:p>
+            <a:r>
+              <a:rPr lang="en-US" dirty="0"/>
+              <a:t>Separated 3 sections by div, centered &amp; increased width of button</a:t>
+            </a:r>
+          </a:p>
+        </p:txBody>
+      </p:sp>
     </p:spTree>
     <p:extLst>
       <p:ext uri="{BB962C8B-B14F-4D97-AF65-F5344CB8AC3E}">
@@ -4302,6 +4414,35 @@
           <a:chExt cx="0" cy="0"/>
         </a:xfrm>
       </p:grpSpPr>
+      <p:pic>
+        <p:nvPicPr>
+          <p:cNvPr id="2" name="Picture 1">
+            <a:extLst>
+              <a:ext uri="{FF2B5EF4-FFF2-40B4-BE49-F238E27FC236}">
+                <a16:creationId xmlns:a16="http://schemas.microsoft.com/office/drawing/2014/main" id="{0389ECB2-EBB3-4BE3-8D05-C80154D3CDEE}"/>
+              </a:ext>
+            </a:extLst>
+          </p:cNvPr>
+          <p:cNvPicPr>
+            <a:picLocks noChangeAspect="1"/>
+          </p:cNvPicPr>
+          <p:nvPr/>
+        </p:nvPicPr>
+        <p:blipFill rotWithShape="1">
+          <a:blip r:embed="rId2"/>
+          <a:srcRect b="1769"/>
+          <a:stretch/>
+        </p:blipFill>
+        <p:spPr>
+          <a:xfrm>
+            <a:off x="4458317" y="0"/>
+            <a:ext cx="3275365" cy="6736702"/>
+          </a:xfrm>
+          <a:prstGeom prst="rect">
+            <a:avLst/>
+          </a:prstGeom>
+        </p:spPr>
+      </p:pic>
     </p:spTree>
     <p:extLst>
       <p:ext uri="{BB962C8B-B14F-4D97-AF65-F5344CB8AC3E}">
@@ -4332,6 +4473,36 @@
           <a:chExt cx="0" cy="0"/>
         </a:xfrm>
       </p:grpSpPr>
+      <p:pic>
+        <p:nvPicPr>
+          <p:cNvPr id="3" name="Picture 2">
+            <a:extLst>
+              <a:ext uri="{FF2B5EF4-FFF2-40B4-BE49-F238E27FC236}">
+                <a16:creationId xmlns:a16="http://schemas.microsoft.com/office/drawing/2014/main" id="{D7E08B4F-0053-4991-B862-283B9DA872C2}"/>
+              </a:ext>
+            </a:extLst>
+          </p:cNvPr>
+          <p:cNvPicPr>
+            <a:picLocks noChangeAspect="1"/>
+          </p:cNvPicPr>
+          <p:nvPr/>
+        </p:nvPicPr>
+        <p:blipFill>
+          <a:blip r:embed="rId2"/>
+          <a:stretch>
+            <a:fillRect/>
+          </a:stretch>
+        </p:blipFill>
+        <p:spPr>
+          <a:xfrm>
+            <a:off x="0" y="127000"/>
+            <a:ext cx="12192000" cy="6604000"/>
+          </a:xfrm>
+          <a:prstGeom prst="rect">
+            <a:avLst/>
+          </a:prstGeom>
+        </p:spPr>
+      </p:pic>
     </p:spTree>
     <p:extLst>
       <p:ext uri="{BB962C8B-B14F-4D97-AF65-F5344CB8AC3E}">
@@ -4362,6 +4533,35 @@
           <a:chExt cx="0" cy="0"/>
         </a:xfrm>
       </p:grpSpPr>
+      <p:pic>
+        <p:nvPicPr>
+          <p:cNvPr id="2" name="Picture 1">
+            <a:extLst>
+              <a:ext uri="{FF2B5EF4-FFF2-40B4-BE49-F238E27FC236}">
+                <a16:creationId xmlns:a16="http://schemas.microsoft.com/office/drawing/2014/main" id="{569D2A55-9B1A-4661-9C14-E9229135DE21}"/>
+              </a:ext>
+            </a:extLst>
+          </p:cNvPr>
+          <p:cNvPicPr>
+            <a:picLocks noChangeAspect="1"/>
+          </p:cNvPicPr>
+          <p:nvPr/>
+        </p:nvPicPr>
+        <p:blipFill rotWithShape="1">
+          <a:blip r:embed="rId2"/>
+          <a:srcRect b="1633"/>
+          <a:stretch/>
+        </p:blipFill>
+        <p:spPr>
+          <a:xfrm>
+            <a:off x="4585252" y="0"/>
+            <a:ext cx="3021496" cy="6746033"/>
+          </a:xfrm>
+          <a:prstGeom prst="rect">
+            <a:avLst/>
+          </a:prstGeom>
+        </p:spPr>
+      </p:pic>
     </p:spTree>
     <p:extLst>
       <p:ext uri="{BB962C8B-B14F-4D97-AF65-F5344CB8AC3E}">
@@ -4437,7 +4637,7 @@
         <p:spPr>
           <a:xfrm>
             <a:off x="13946" y="1930400"/>
-            <a:ext cx="3276474" cy="2031325"/>
+            <a:ext cx="3276474" cy="1754326"/>
           </a:xfrm>
           <a:prstGeom prst="rect">
             <a:avLst/>
@@ -4490,14 +4690,6 @@
                 <a:sym typeface="Wingdings" panose="05000000000000000000" pitchFamily="2" charset="2"/>
               </a:rPr>
               <a:t>-Create Account  Register Page</a:t>
-            </a:r>
-          </a:p>
-          <a:p>
-            <a:r>
-              <a:rPr lang="en-US" strike="sngStrike" dirty="0">
-                <a:sym typeface="Wingdings" panose="05000000000000000000" pitchFamily="2" charset="2"/>
-              </a:rPr>
-              <a:t>-forgot Password -&gt; acct recovery</a:t>
             </a:r>
           </a:p>
         </p:txBody>
@@ -4532,6 +4724,36 @@
           <a:chExt cx="0" cy="0"/>
         </a:xfrm>
       </p:grpSpPr>
+      <p:pic>
+        <p:nvPicPr>
+          <p:cNvPr id="2" name="Picture 1">
+            <a:extLst>
+              <a:ext uri="{FF2B5EF4-FFF2-40B4-BE49-F238E27FC236}">
+                <a16:creationId xmlns:a16="http://schemas.microsoft.com/office/drawing/2014/main" id="{4FEEB5D2-01A3-44AD-8FEC-5544F2E6ABBB}"/>
+              </a:ext>
+            </a:extLst>
+          </p:cNvPr>
+          <p:cNvPicPr>
+            <a:picLocks noChangeAspect="1"/>
+          </p:cNvPicPr>
+          <p:nvPr/>
+        </p:nvPicPr>
+        <p:blipFill>
+          <a:blip r:embed="rId2"/>
+          <a:stretch>
+            <a:fillRect/>
+          </a:stretch>
+        </p:blipFill>
+        <p:spPr>
+          <a:xfrm>
+            <a:off x="0" y="127000"/>
+            <a:ext cx="12192000" cy="6604000"/>
+          </a:xfrm>
+          <a:prstGeom prst="rect">
+            <a:avLst/>
+          </a:prstGeom>
+        </p:spPr>
+      </p:pic>
     </p:spTree>
     <p:extLst>
       <p:ext uri="{BB962C8B-B14F-4D97-AF65-F5344CB8AC3E}">
@@ -4562,6 +4784,35 @@
           <a:chExt cx="0" cy="0"/>
         </a:xfrm>
       </p:grpSpPr>
+      <p:pic>
+        <p:nvPicPr>
+          <p:cNvPr id="2" name="Picture 1">
+            <a:extLst>
+              <a:ext uri="{FF2B5EF4-FFF2-40B4-BE49-F238E27FC236}">
+                <a16:creationId xmlns:a16="http://schemas.microsoft.com/office/drawing/2014/main" id="{83098DF8-9D01-4F0C-AFBF-E7EFDA1DB8B7}"/>
+              </a:ext>
+            </a:extLst>
+          </p:cNvPr>
+          <p:cNvPicPr>
+            <a:picLocks noChangeAspect="1"/>
+          </p:cNvPicPr>
+          <p:nvPr/>
+        </p:nvPicPr>
+        <p:blipFill rotWithShape="1">
+          <a:blip r:embed="rId2"/>
+          <a:srcRect b="1497"/>
+          <a:stretch/>
+        </p:blipFill>
+        <p:spPr>
+          <a:xfrm>
+            <a:off x="4585252" y="0"/>
+            <a:ext cx="3021496" cy="6755363"/>
+          </a:xfrm>
+          <a:prstGeom prst="rect">
+            <a:avLst/>
+          </a:prstGeom>
+        </p:spPr>
+      </p:pic>
     </p:spTree>
     <p:extLst>
       <p:ext uri="{BB962C8B-B14F-4D97-AF65-F5344CB8AC3E}">
@@ -4592,10 +4843,40 @@
           <a:chExt cx="0" cy="0"/>
         </a:xfrm>
       </p:grpSpPr>
+      <p:pic>
+        <p:nvPicPr>
+          <p:cNvPr id="2" name="Picture 1">
+            <a:extLst>
+              <a:ext uri="{FF2B5EF4-FFF2-40B4-BE49-F238E27FC236}">
+                <a16:creationId xmlns:a16="http://schemas.microsoft.com/office/drawing/2014/main" id="{3EFCF4D3-D85F-4DC0-B1E9-61E424A7C183}"/>
+              </a:ext>
+            </a:extLst>
+          </p:cNvPr>
+          <p:cNvPicPr>
+            <a:picLocks noChangeAspect="1"/>
+          </p:cNvPicPr>
+          <p:nvPr/>
+        </p:nvPicPr>
+        <p:blipFill>
+          <a:blip r:embed="rId2"/>
+          <a:stretch>
+            <a:fillRect/>
+          </a:stretch>
+        </p:blipFill>
+        <p:spPr>
+          <a:xfrm>
+            <a:off x="0" y="127000"/>
+            <a:ext cx="12192000" cy="6604000"/>
+          </a:xfrm>
+          <a:prstGeom prst="rect">
+            <a:avLst/>
+          </a:prstGeom>
+        </p:spPr>
+      </p:pic>
     </p:spTree>
     <p:extLst>
       <p:ext uri="{BB962C8B-B14F-4D97-AF65-F5344CB8AC3E}">
-        <p14:creationId xmlns:p14="http://schemas.microsoft.com/office/powerpoint/2010/main" val="3508274509"/>
+        <p14:creationId xmlns:p14="http://schemas.microsoft.com/office/powerpoint/2010/main" val="4035385978"/>
       </p:ext>
     </p:extLst>
   </p:cSld>
@@ -4622,10 +4903,39 @@
           <a:chExt cx="0" cy="0"/>
         </a:xfrm>
       </p:grpSpPr>
+      <p:pic>
+        <p:nvPicPr>
+          <p:cNvPr id="2" name="Picture 1">
+            <a:extLst>
+              <a:ext uri="{FF2B5EF4-FFF2-40B4-BE49-F238E27FC236}">
+                <a16:creationId xmlns:a16="http://schemas.microsoft.com/office/drawing/2014/main" id="{50852C6A-F529-4299-9A0C-F408126D8CD0}"/>
+              </a:ext>
+            </a:extLst>
+          </p:cNvPr>
+          <p:cNvPicPr>
+            <a:picLocks noChangeAspect="1"/>
+          </p:cNvPicPr>
+          <p:nvPr/>
+        </p:nvPicPr>
+        <p:blipFill rotWithShape="1">
+          <a:blip r:embed="rId2"/>
+          <a:srcRect b="1497"/>
+          <a:stretch/>
+        </p:blipFill>
+        <p:spPr>
+          <a:xfrm>
+            <a:off x="4585252" y="0"/>
+            <a:ext cx="3021496" cy="6755363"/>
+          </a:xfrm>
+          <a:prstGeom prst="rect">
+            <a:avLst/>
+          </a:prstGeom>
+        </p:spPr>
+      </p:pic>
     </p:spTree>
     <p:extLst>
       <p:ext uri="{BB962C8B-B14F-4D97-AF65-F5344CB8AC3E}">
-        <p14:creationId xmlns:p14="http://schemas.microsoft.com/office/powerpoint/2010/main" val="4035385978"/>
+        <p14:creationId xmlns:p14="http://schemas.microsoft.com/office/powerpoint/2010/main" val="3508274509"/>
       </p:ext>
     </p:extLst>
   </p:cSld>
@@ -4652,6 +4962,36 @@
           <a:chExt cx="0" cy="0"/>
         </a:xfrm>
       </p:grpSpPr>
+      <p:pic>
+        <p:nvPicPr>
+          <p:cNvPr id="2" name="Picture 1">
+            <a:extLst>
+              <a:ext uri="{FF2B5EF4-FFF2-40B4-BE49-F238E27FC236}">
+                <a16:creationId xmlns:a16="http://schemas.microsoft.com/office/drawing/2014/main" id="{5E6B9ECB-149B-4A64-99ED-8242CE3479C4}"/>
+              </a:ext>
+            </a:extLst>
+          </p:cNvPr>
+          <p:cNvPicPr>
+            <a:picLocks noChangeAspect="1"/>
+          </p:cNvPicPr>
+          <p:nvPr/>
+        </p:nvPicPr>
+        <p:blipFill>
+          <a:blip r:embed="rId2"/>
+          <a:stretch>
+            <a:fillRect/>
+          </a:stretch>
+        </p:blipFill>
+        <p:spPr>
+          <a:xfrm>
+            <a:off x="0" y="127000"/>
+            <a:ext cx="12192000" cy="6604000"/>
+          </a:xfrm>
+          <a:prstGeom prst="rect">
+            <a:avLst/>
+          </a:prstGeom>
+        </p:spPr>
+      </p:pic>
     </p:spTree>
     <p:extLst>
       <p:ext uri="{BB962C8B-B14F-4D97-AF65-F5344CB8AC3E}">
@@ -4682,6 +5022,35 @@
           <a:chExt cx="0" cy="0"/>
         </a:xfrm>
       </p:grpSpPr>
+      <p:pic>
+        <p:nvPicPr>
+          <p:cNvPr id="2" name="Picture 1">
+            <a:extLst>
+              <a:ext uri="{FF2B5EF4-FFF2-40B4-BE49-F238E27FC236}">
+                <a16:creationId xmlns:a16="http://schemas.microsoft.com/office/drawing/2014/main" id="{73D10B52-F747-4A93-A244-D3A5CE6EECB7}"/>
+              </a:ext>
+            </a:extLst>
+          </p:cNvPr>
+          <p:cNvPicPr>
+            <a:picLocks noChangeAspect="1"/>
+          </p:cNvPicPr>
+          <p:nvPr/>
+        </p:nvPicPr>
+        <p:blipFill rotWithShape="1">
+          <a:blip r:embed="rId2"/>
+          <a:srcRect b="1632"/>
+          <a:stretch/>
+        </p:blipFill>
+        <p:spPr>
+          <a:xfrm>
+            <a:off x="4585252" y="55983"/>
+            <a:ext cx="3021496" cy="6746033"/>
+          </a:xfrm>
+          <a:prstGeom prst="rect">
+            <a:avLst/>
+          </a:prstGeom>
+        </p:spPr>
+      </p:pic>
     </p:spTree>
     <p:extLst>
       <p:ext uri="{BB962C8B-B14F-4D97-AF65-F5344CB8AC3E}">

--- a/UnusedCode/Navigations.pptx
+++ b/UnusedCode/Navigations.pptx
@@ -5081,6 +5081,36 @@
           <a:chExt cx="0" cy="0"/>
         </a:xfrm>
       </p:grpSpPr>
+      <p:pic>
+        <p:nvPicPr>
+          <p:cNvPr id="2" name="Picture 1">
+            <a:extLst>
+              <a:ext uri="{FF2B5EF4-FFF2-40B4-BE49-F238E27FC236}">
+                <a16:creationId xmlns:a16="http://schemas.microsoft.com/office/drawing/2014/main" id="{5C9E128E-721B-49D7-9CD0-6AD64C306ED2}"/>
+              </a:ext>
+            </a:extLst>
+          </p:cNvPr>
+          <p:cNvPicPr>
+            <a:picLocks noChangeAspect="1"/>
+          </p:cNvPicPr>
+          <p:nvPr/>
+        </p:nvPicPr>
+        <p:blipFill>
+          <a:blip r:embed="rId2"/>
+          <a:stretch>
+            <a:fillRect/>
+          </a:stretch>
+        </p:blipFill>
+        <p:spPr>
+          <a:xfrm>
+            <a:off x="0" y="127000"/>
+            <a:ext cx="12192000" cy="6604000"/>
+          </a:xfrm>
+          <a:prstGeom prst="rect">
+            <a:avLst/>
+          </a:prstGeom>
+        </p:spPr>
+      </p:pic>
     </p:spTree>
     <p:extLst>
       <p:ext uri="{BB962C8B-B14F-4D97-AF65-F5344CB8AC3E}">
@@ -5111,6 +5141,35 @@
           <a:chExt cx="0" cy="0"/>
         </a:xfrm>
       </p:grpSpPr>
+      <p:pic>
+        <p:nvPicPr>
+          <p:cNvPr id="2" name="Picture 1">
+            <a:extLst>
+              <a:ext uri="{FF2B5EF4-FFF2-40B4-BE49-F238E27FC236}">
+                <a16:creationId xmlns:a16="http://schemas.microsoft.com/office/drawing/2014/main" id="{70EFBCC7-C53F-4896-A39E-51C07BD1EA5F}"/>
+              </a:ext>
+            </a:extLst>
+          </p:cNvPr>
+          <p:cNvPicPr>
+            <a:picLocks noChangeAspect="1"/>
+          </p:cNvPicPr>
+          <p:nvPr/>
+        </p:nvPicPr>
+        <p:blipFill rotWithShape="1">
+          <a:blip r:embed="rId2"/>
+          <a:srcRect b="2041"/>
+          <a:stretch/>
+        </p:blipFill>
+        <p:spPr>
+          <a:xfrm>
+            <a:off x="4618039" y="0"/>
+            <a:ext cx="2955922" cy="6718041"/>
+          </a:xfrm>
+          <a:prstGeom prst="rect">
+            <a:avLst/>
+          </a:prstGeom>
+        </p:spPr>
+      </p:pic>
     </p:spTree>
     <p:extLst>
       <p:ext uri="{BB962C8B-B14F-4D97-AF65-F5344CB8AC3E}">
